--- a/07News/06History/2015.pptx
+++ b/07News/06History/2015.pptx
@@ -9,20 +9,26 @@
     <p:sldMasterId id="2147483683" r:id="rId5"/>
   </p:sldMasterIdLst>
   <p:notesMasterIdLst>
-    <p:notesMasterId r:id="rId14"/>
+    <p:notesMasterId r:id="rId20"/>
   </p:notesMasterIdLst>
   <p:handoutMasterIdLst>
-    <p:handoutMasterId r:id="rId15"/>
+    <p:handoutMasterId r:id="rId21"/>
   </p:handoutMasterIdLst>
   <p:sldIdLst>
     <p:sldId id="603" r:id="rId6"/>
-    <p:sldId id="2448" r:id="rId7"/>
+    <p:sldId id="2474" r:id="rId7"/>
     <p:sldId id="2452" r:id="rId8"/>
     <p:sldId id="2453" r:id="rId9"/>
-    <p:sldId id="2451" r:id="rId10"/>
-    <p:sldId id="2450" r:id="rId11"/>
-    <p:sldId id="2449" r:id="rId12"/>
-    <p:sldId id="582" r:id="rId13"/>
+    <p:sldId id="2473" r:id="rId10"/>
+    <p:sldId id="2448" r:id="rId11"/>
+    <p:sldId id="2475" r:id="rId12"/>
+    <p:sldId id="2451" r:id="rId13"/>
+    <p:sldId id="2476" r:id="rId14"/>
+    <p:sldId id="2450" r:id="rId15"/>
+    <p:sldId id="2477" r:id="rId16"/>
+    <p:sldId id="2478" r:id="rId17"/>
+    <p:sldId id="2449" r:id="rId18"/>
+    <p:sldId id="582" r:id="rId19"/>
   </p:sldIdLst>
   <p:sldSz cx="12196763" cy="6858000"/>
   <p:notesSz cx="6858000" cy="9144000"/>
@@ -226,7 +232,7 @@
           <a:p>
             <a:fld id="{E8CF71B8-DF2A-2E41-BE66-2E18A767DA8A}" type="datetimeFigureOut">
               <a:rPr lang="en-US" smtClean="0"/>
-              <a:t>1/27/25</a:t>
+              <a:t>2/2/25</a:t>
             </a:fld>
             <a:endParaRPr lang="en-US"/>
           </a:p>
@@ -403,7 +409,7 @@
           <a:p>
             <a:fld id="{0DD60A27-BF12-6744-9E93-932A0E34D8BB}" type="datetimeFigureOut">
               <a:rPr lang="en-US" smtClean="0"/>
-              <a:t>1/27/25</a:t>
+              <a:t>2/2/25</a:t>
             </a:fld>
             <a:endParaRPr lang="en-US"/>
           </a:p>
@@ -754,6 +760,426 @@
 </p:notes>
 </file>
 
+<file path=ppt/notesSlides/notesSlide2.xml><?xml version="1.0" encoding="utf-8"?>
+<p:notes xmlns:a="http://schemas.openxmlformats.org/drawingml/2006/main" xmlns:r="http://schemas.openxmlformats.org/officeDocument/2006/relationships" xmlns:p="http://schemas.openxmlformats.org/presentationml/2006/main">
+  <p:cSld>
+    <p:spTree>
+      <p:nvGrpSpPr>
+        <p:cNvPr id="1" name=""/>
+        <p:cNvGrpSpPr/>
+        <p:nvPr/>
+      </p:nvGrpSpPr>
+      <p:grpSpPr>
+        <a:xfrm>
+          <a:off x="0" y="0"/>
+          <a:ext cx="0" cy="0"/>
+          <a:chOff x="0" y="0"/>
+          <a:chExt cx="0" cy="0"/>
+        </a:xfrm>
+      </p:grpSpPr>
+      <p:sp>
+        <p:nvSpPr>
+          <p:cNvPr id="2" name="幻灯片图像占位符 1"/>
+          <p:cNvSpPr>
+            <a:spLocks noGrp="1" noRot="1" noChangeAspect="1"/>
+          </p:cNvSpPr>
+          <p:nvPr>
+            <p:ph type="sldImg"/>
+          </p:nvPr>
+        </p:nvSpPr>
+        <p:spPr/>
+      </p:sp>
+      <p:sp>
+        <p:nvSpPr>
+          <p:cNvPr id="3" name="备注占位符 2"/>
+          <p:cNvSpPr>
+            <a:spLocks noGrp="1"/>
+          </p:cNvSpPr>
+          <p:nvPr>
+            <p:ph type="body" idx="1"/>
+          </p:nvPr>
+        </p:nvSpPr>
+        <p:spPr/>
+        <p:txBody>
+          <a:bodyPr/>
+          <a:lstStyle/>
+          <a:p>
+            <a:endParaRPr kumimoji="1" lang="zh-CN" altLang="en-US" dirty="0"/>
+          </a:p>
+        </p:txBody>
+      </p:sp>
+      <p:sp>
+        <p:nvSpPr>
+          <p:cNvPr id="4" name="灯片编号占位符 3"/>
+          <p:cNvSpPr>
+            <a:spLocks noGrp="1"/>
+          </p:cNvSpPr>
+          <p:nvPr>
+            <p:ph type="sldNum" sz="quarter" idx="5"/>
+          </p:nvPr>
+        </p:nvSpPr>
+        <p:spPr/>
+        <p:txBody>
+          <a:bodyPr/>
+          <a:lstStyle/>
+          <a:p>
+            <a:fld id="{17021A3A-000B-724D-82E6-58165F25070D}" type="slidenum">
+              <a:rPr kumimoji="1" lang="zh-CN" altLang="en-US" smtClean="0"/>
+              <a:t>2</a:t>
+            </a:fld>
+            <a:endParaRPr kumimoji="1" lang="zh-CN" altLang="en-US"/>
+          </a:p>
+        </p:txBody>
+      </p:sp>
+    </p:spTree>
+    <p:extLst>
+      <p:ext uri="{BB962C8B-B14F-4D97-AF65-F5344CB8AC3E}">
+        <p14:creationId xmlns:p14="http://schemas.microsoft.com/office/powerpoint/2010/main" val="1073162434"/>
+      </p:ext>
+    </p:extLst>
+  </p:cSld>
+  <p:clrMapOvr>
+    <a:masterClrMapping/>
+  </p:clrMapOvr>
+</p:notes>
+</file>
+
+<file path=ppt/notesSlides/notesSlide3.xml><?xml version="1.0" encoding="utf-8"?>
+<p:notes xmlns:a="http://schemas.openxmlformats.org/drawingml/2006/main" xmlns:r="http://schemas.openxmlformats.org/officeDocument/2006/relationships" xmlns:p="http://schemas.openxmlformats.org/presentationml/2006/main">
+  <p:cSld>
+    <p:spTree>
+      <p:nvGrpSpPr>
+        <p:cNvPr id="1" name=""/>
+        <p:cNvGrpSpPr/>
+        <p:nvPr/>
+      </p:nvGrpSpPr>
+      <p:grpSpPr>
+        <a:xfrm>
+          <a:off x="0" y="0"/>
+          <a:ext cx="0" cy="0"/>
+          <a:chOff x="0" y="0"/>
+          <a:chExt cx="0" cy="0"/>
+        </a:xfrm>
+      </p:grpSpPr>
+      <p:sp>
+        <p:nvSpPr>
+          <p:cNvPr id="2" name="幻灯片图像占位符 1"/>
+          <p:cNvSpPr>
+            <a:spLocks noGrp="1" noRot="1" noChangeAspect="1"/>
+          </p:cNvSpPr>
+          <p:nvPr>
+            <p:ph type="sldImg"/>
+          </p:nvPr>
+        </p:nvSpPr>
+        <p:spPr/>
+      </p:sp>
+      <p:sp>
+        <p:nvSpPr>
+          <p:cNvPr id="3" name="备注占位符 2"/>
+          <p:cNvSpPr>
+            <a:spLocks noGrp="1"/>
+          </p:cNvSpPr>
+          <p:nvPr>
+            <p:ph type="body" idx="1"/>
+          </p:nvPr>
+        </p:nvSpPr>
+        <p:spPr/>
+        <p:txBody>
+          <a:bodyPr/>
+          <a:lstStyle/>
+          <a:p>
+            <a:endParaRPr kumimoji="1" lang="zh-CN" altLang="en-US" dirty="0"/>
+          </a:p>
+        </p:txBody>
+      </p:sp>
+      <p:sp>
+        <p:nvSpPr>
+          <p:cNvPr id="4" name="灯片编号占位符 3"/>
+          <p:cNvSpPr>
+            <a:spLocks noGrp="1"/>
+          </p:cNvSpPr>
+          <p:nvPr>
+            <p:ph type="sldNum" sz="quarter" idx="5"/>
+          </p:nvPr>
+        </p:nvSpPr>
+        <p:spPr/>
+        <p:txBody>
+          <a:bodyPr/>
+          <a:lstStyle/>
+          <a:p>
+            <a:fld id="{17021A3A-000B-724D-82E6-58165F25070D}" type="slidenum">
+              <a:rPr kumimoji="1" lang="zh-CN" altLang="en-US" smtClean="0"/>
+              <a:t>5</a:t>
+            </a:fld>
+            <a:endParaRPr kumimoji="1" lang="zh-CN" altLang="en-US"/>
+          </a:p>
+        </p:txBody>
+      </p:sp>
+    </p:spTree>
+    <p:extLst>
+      <p:ext uri="{BB962C8B-B14F-4D97-AF65-F5344CB8AC3E}">
+        <p14:creationId xmlns:p14="http://schemas.microsoft.com/office/powerpoint/2010/main" val="1180074535"/>
+      </p:ext>
+    </p:extLst>
+  </p:cSld>
+  <p:clrMapOvr>
+    <a:masterClrMapping/>
+  </p:clrMapOvr>
+</p:notes>
+</file>
+
+<file path=ppt/notesSlides/notesSlide4.xml><?xml version="1.0" encoding="utf-8"?>
+<p:notes xmlns:a="http://schemas.openxmlformats.org/drawingml/2006/main" xmlns:r="http://schemas.openxmlformats.org/officeDocument/2006/relationships" xmlns:p="http://schemas.openxmlformats.org/presentationml/2006/main">
+  <p:cSld>
+    <p:spTree>
+      <p:nvGrpSpPr>
+        <p:cNvPr id="1" name=""/>
+        <p:cNvGrpSpPr/>
+        <p:nvPr/>
+      </p:nvGrpSpPr>
+      <p:grpSpPr>
+        <a:xfrm>
+          <a:off x="0" y="0"/>
+          <a:ext cx="0" cy="0"/>
+          <a:chOff x="0" y="0"/>
+          <a:chExt cx="0" cy="0"/>
+        </a:xfrm>
+      </p:grpSpPr>
+      <p:sp>
+        <p:nvSpPr>
+          <p:cNvPr id="2" name="幻灯片图像占位符 1"/>
+          <p:cNvSpPr>
+            <a:spLocks noGrp="1" noRot="1" noChangeAspect="1"/>
+          </p:cNvSpPr>
+          <p:nvPr>
+            <p:ph type="sldImg"/>
+          </p:nvPr>
+        </p:nvSpPr>
+        <p:spPr/>
+      </p:sp>
+      <p:sp>
+        <p:nvSpPr>
+          <p:cNvPr id="3" name="备注占位符 2"/>
+          <p:cNvSpPr>
+            <a:spLocks noGrp="1"/>
+          </p:cNvSpPr>
+          <p:nvPr>
+            <p:ph type="body" idx="1"/>
+          </p:nvPr>
+        </p:nvSpPr>
+        <p:spPr/>
+        <p:txBody>
+          <a:bodyPr/>
+          <a:lstStyle/>
+          <a:p>
+            <a:endParaRPr kumimoji="1" lang="zh-CN" altLang="en-US" dirty="0"/>
+          </a:p>
+        </p:txBody>
+      </p:sp>
+      <p:sp>
+        <p:nvSpPr>
+          <p:cNvPr id="4" name="灯片编号占位符 3"/>
+          <p:cNvSpPr>
+            <a:spLocks noGrp="1"/>
+          </p:cNvSpPr>
+          <p:nvPr>
+            <p:ph type="sldNum" sz="quarter" idx="5"/>
+          </p:nvPr>
+        </p:nvSpPr>
+        <p:spPr/>
+        <p:txBody>
+          <a:bodyPr/>
+          <a:lstStyle/>
+          <a:p>
+            <a:fld id="{17021A3A-000B-724D-82E6-58165F25070D}" type="slidenum">
+              <a:rPr kumimoji="1" lang="zh-CN" altLang="en-US" smtClean="0"/>
+              <a:t>7</a:t>
+            </a:fld>
+            <a:endParaRPr kumimoji="1" lang="zh-CN" altLang="en-US"/>
+          </a:p>
+        </p:txBody>
+      </p:sp>
+    </p:spTree>
+    <p:extLst>
+      <p:ext uri="{BB962C8B-B14F-4D97-AF65-F5344CB8AC3E}">
+        <p14:creationId xmlns:p14="http://schemas.microsoft.com/office/powerpoint/2010/main" val="1426409255"/>
+      </p:ext>
+    </p:extLst>
+  </p:cSld>
+  <p:clrMapOvr>
+    <a:masterClrMapping/>
+  </p:clrMapOvr>
+</p:notes>
+</file>
+
+<file path=ppt/notesSlides/notesSlide5.xml><?xml version="1.0" encoding="utf-8"?>
+<p:notes xmlns:a="http://schemas.openxmlformats.org/drawingml/2006/main" xmlns:r="http://schemas.openxmlformats.org/officeDocument/2006/relationships" xmlns:p="http://schemas.openxmlformats.org/presentationml/2006/main">
+  <p:cSld>
+    <p:spTree>
+      <p:nvGrpSpPr>
+        <p:cNvPr id="1" name=""/>
+        <p:cNvGrpSpPr/>
+        <p:nvPr/>
+      </p:nvGrpSpPr>
+      <p:grpSpPr>
+        <a:xfrm>
+          <a:off x="0" y="0"/>
+          <a:ext cx="0" cy="0"/>
+          <a:chOff x="0" y="0"/>
+          <a:chExt cx="0" cy="0"/>
+        </a:xfrm>
+      </p:grpSpPr>
+      <p:sp>
+        <p:nvSpPr>
+          <p:cNvPr id="2" name="幻灯片图像占位符 1"/>
+          <p:cNvSpPr>
+            <a:spLocks noGrp="1" noRot="1" noChangeAspect="1"/>
+          </p:cNvSpPr>
+          <p:nvPr>
+            <p:ph type="sldImg"/>
+          </p:nvPr>
+        </p:nvSpPr>
+        <p:spPr/>
+      </p:sp>
+      <p:sp>
+        <p:nvSpPr>
+          <p:cNvPr id="3" name="备注占位符 2"/>
+          <p:cNvSpPr>
+            <a:spLocks noGrp="1"/>
+          </p:cNvSpPr>
+          <p:nvPr>
+            <p:ph type="body" idx="1"/>
+          </p:nvPr>
+        </p:nvSpPr>
+        <p:spPr/>
+        <p:txBody>
+          <a:bodyPr/>
+          <a:lstStyle/>
+          <a:p>
+            <a:endParaRPr kumimoji="1" lang="zh-CN" altLang="en-US" dirty="0"/>
+          </a:p>
+        </p:txBody>
+      </p:sp>
+      <p:sp>
+        <p:nvSpPr>
+          <p:cNvPr id="4" name="灯片编号占位符 3"/>
+          <p:cNvSpPr>
+            <a:spLocks noGrp="1"/>
+          </p:cNvSpPr>
+          <p:nvPr>
+            <p:ph type="sldNum" sz="quarter" idx="5"/>
+          </p:nvPr>
+        </p:nvSpPr>
+        <p:spPr/>
+        <p:txBody>
+          <a:bodyPr/>
+          <a:lstStyle/>
+          <a:p>
+            <a:fld id="{17021A3A-000B-724D-82E6-58165F25070D}" type="slidenum">
+              <a:rPr kumimoji="1" lang="zh-CN" altLang="en-US" smtClean="0"/>
+              <a:t>9</a:t>
+            </a:fld>
+            <a:endParaRPr kumimoji="1" lang="zh-CN" altLang="en-US"/>
+          </a:p>
+        </p:txBody>
+      </p:sp>
+    </p:spTree>
+    <p:extLst>
+      <p:ext uri="{BB962C8B-B14F-4D97-AF65-F5344CB8AC3E}">
+        <p14:creationId xmlns:p14="http://schemas.microsoft.com/office/powerpoint/2010/main" val="3877281887"/>
+      </p:ext>
+    </p:extLst>
+  </p:cSld>
+  <p:clrMapOvr>
+    <a:masterClrMapping/>
+  </p:clrMapOvr>
+</p:notes>
+</file>
+
+<file path=ppt/notesSlides/notesSlide6.xml><?xml version="1.0" encoding="utf-8"?>
+<p:notes xmlns:a="http://schemas.openxmlformats.org/drawingml/2006/main" xmlns:r="http://schemas.openxmlformats.org/officeDocument/2006/relationships" xmlns:p="http://schemas.openxmlformats.org/presentationml/2006/main">
+  <p:cSld>
+    <p:spTree>
+      <p:nvGrpSpPr>
+        <p:cNvPr id="1" name=""/>
+        <p:cNvGrpSpPr/>
+        <p:nvPr/>
+      </p:nvGrpSpPr>
+      <p:grpSpPr>
+        <a:xfrm>
+          <a:off x="0" y="0"/>
+          <a:ext cx="0" cy="0"/>
+          <a:chOff x="0" y="0"/>
+          <a:chExt cx="0" cy="0"/>
+        </a:xfrm>
+      </p:grpSpPr>
+      <p:sp>
+        <p:nvSpPr>
+          <p:cNvPr id="2" name="幻灯片图像占位符 1"/>
+          <p:cNvSpPr>
+            <a:spLocks noGrp="1" noRot="1" noChangeAspect="1"/>
+          </p:cNvSpPr>
+          <p:nvPr>
+            <p:ph type="sldImg"/>
+          </p:nvPr>
+        </p:nvSpPr>
+        <p:spPr/>
+      </p:sp>
+      <p:sp>
+        <p:nvSpPr>
+          <p:cNvPr id="3" name="备注占位符 2"/>
+          <p:cNvSpPr>
+            <a:spLocks noGrp="1"/>
+          </p:cNvSpPr>
+          <p:nvPr>
+            <p:ph type="body" idx="1"/>
+          </p:nvPr>
+        </p:nvSpPr>
+        <p:spPr/>
+        <p:txBody>
+          <a:bodyPr/>
+          <a:lstStyle/>
+          <a:p>
+            <a:endParaRPr kumimoji="1" lang="zh-CN" altLang="en-US" dirty="0"/>
+          </a:p>
+        </p:txBody>
+      </p:sp>
+      <p:sp>
+        <p:nvSpPr>
+          <p:cNvPr id="4" name="灯片编号占位符 3"/>
+          <p:cNvSpPr>
+            <a:spLocks noGrp="1"/>
+          </p:cNvSpPr>
+          <p:nvPr>
+            <p:ph type="sldNum" sz="quarter" idx="5"/>
+          </p:nvPr>
+        </p:nvSpPr>
+        <p:spPr/>
+        <p:txBody>
+          <a:bodyPr/>
+          <a:lstStyle/>
+          <a:p>
+            <a:fld id="{17021A3A-000B-724D-82E6-58165F25070D}" type="slidenum">
+              <a:rPr kumimoji="1" lang="zh-CN" altLang="en-US" smtClean="0"/>
+              <a:t>12</a:t>
+            </a:fld>
+            <a:endParaRPr kumimoji="1" lang="zh-CN" altLang="en-US"/>
+          </a:p>
+        </p:txBody>
+      </p:sp>
+    </p:spTree>
+    <p:extLst>
+      <p:ext uri="{BB962C8B-B14F-4D97-AF65-F5344CB8AC3E}">
+        <p14:creationId xmlns:p14="http://schemas.microsoft.com/office/powerpoint/2010/main" val="2694901567"/>
+      </p:ext>
+    </p:extLst>
+  </p:cSld>
+  <p:clrMapOvr>
+    <a:masterClrMapping/>
+  </p:clrMapOvr>
+</p:notes>
+</file>
+
 <file path=ppt/slideLayouts/slideLayout1.xml><?xml version="1.0" encoding="utf-8"?>
 <p:sldLayout xmlns:a="http://schemas.openxmlformats.org/drawingml/2006/main" xmlns:r="http://schemas.openxmlformats.org/officeDocument/2006/relationships" xmlns:p="http://schemas.openxmlformats.org/presentationml/2006/main" preserve="1" userDrawn="1">
   <p:cSld name="1_自定义版式">
@@ -1101,7 +1527,613 @@
 </p:sldLayout>
 </file>
 
+<file path=ppt/slideLayouts/slideLayout10.xml><?xml version="1.0" encoding="utf-8"?>
+<p:sldLayout xmlns:a="http://schemas.openxmlformats.org/drawingml/2006/main" xmlns:r="http://schemas.openxmlformats.org/officeDocument/2006/relationships" xmlns:p="http://schemas.openxmlformats.org/presentationml/2006/main" preserve="1" userDrawn="1">
+  <p:cSld name="结束页">
+    <p:bg>
+      <p:bgPr>
+        <a:solidFill>
+          <a:srgbClr val="FFFFFF"/>
+        </a:solidFill>
+        <a:effectLst/>
+      </p:bgPr>
+    </p:bg>
+    <p:spTree>
+      <p:nvGrpSpPr>
+        <p:cNvPr id="1" name=""/>
+        <p:cNvGrpSpPr/>
+        <p:nvPr/>
+      </p:nvGrpSpPr>
+      <p:grpSpPr>
+        <a:xfrm>
+          <a:off x="0" y="0"/>
+          <a:ext cx="0" cy="0"/>
+          <a:chOff x="0" y="0"/>
+          <a:chExt cx="0" cy="0"/>
+        </a:xfrm>
+      </p:grpSpPr>
+      <p:sp>
+        <p:nvSpPr>
+          <p:cNvPr id="3" name="TextBox 2">
+            <a:extLst>
+              <a:ext uri="{FF2B5EF4-FFF2-40B4-BE49-F238E27FC236}">
+                <a16:creationId xmlns:a16="http://schemas.microsoft.com/office/drawing/2014/main" id="{C1960DD1-8AC3-8F46-9D2D-BF81187F43FC}"/>
+              </a:ext>
+            </a:extLst>
+          </p:cNvPr>
+          <p:cNvSpPr txBox="1"/>
+          <p:nvPr userDrawn="1"/>
+        </p:nvSpPr>
+        <p:spPr>
+          <a:xfrm>
+            <a:off x="1502228" y="2617826"/>
+            <a:ext cx="5127171" cy="1323439"/>
+          </a:xfrm>
+          <a:prstGeom prst="rect">
+            <a:avLst/>
+          </a:prstGeom>
+          <a:noFill/>
+        </p:spPr>
+        <p:txBody>
+          <a:bodyPr wrap="square" rtlCol="0">
+            <a:spAutoFit/>
+          </a:bodyPr>
+          <a:lstStyle/>
+          <a:p>
+            <a:pPr algn="l"/>
+            <a:r>
+              <a:rPr lang="en-US" sz="8000" dirty="0">
+                <a:solidFill>
+                  <a:srgbClr val="221815"/>
+                </a:solidFill>
+                <a:latin typeface="Futura-Medium" panose="020B0602020204020303" pitchFamily="34" charset="-79"/>
+                <a:cs typeface="Futura-Medium" panose="020B0602020204020303" pitchFamily="34" charset="-79"/>
+              </a:rPr>
+              <a:t>Thank you</a:t>
+            </a:r>
+          </a:p>
+        </p:txBody>
+      </p:sp>
+    </p:spTree>
+    <p:extLst>
+      <p:ext uri="{BB962C8B-B14F-4D97-AF65-F5344CB8AC3E}">
+        <p14:creationId xmlns:p14="http://schemas.microsoft.com/office/powerpoint/2010/main" val="3664786014"/>
+      </p:ext>
+    </p:extLst>
+  </p:cSld>
+  <p:clrMapOvr>
+    <a:masterClrMapping/>
+  </p:clrMapOvr>
+  <mc:AlternateContent xmlns:mc="http://schemas.openxmlformats.org/markup-compatibility/2006" xmlns:p159="http://schemas.microsoft.com/office/powerpoint/2015/09/main">
+    <mc:Choice Requires="p159">
+      <p:transition xmlns:p14="http://schemas.microsoft.com/office/powerpoint/2010/main" spd="slow" p14:dur="2000">
+        <p159:morph option="byObject"/>
+      </p:transition>
+    </mc:Choice>
+    <mc:Fallback xmlns="">
+      <p:transition spd="slow">
+        <p:fade/>
+      </p:transition>
+    </mc:Fallback>
+  </mc:AlternateContent>
+</p:sldLayout>
+</file>
+
 <file path=ppt/slideLayouts/slideLayout2.xml><?xml version="1.0" encoding="utf-8"?>
+<p:sldLayout xmlns:a="http://schemas.openxmlformats.org/drawingml/2006/main" xmlns:r="http://schemas.openxmlformats.org/officeDocument/2006/relationships" xmlns:p="http://schemas.openxmlformats.org/presentationml/2006/main" userDrawn="1">
+  <p:cSld name="1_篇章页">
+    <p:spTree>
+      <p:nvGrpSpPr>
+        <p:cNvPr id="1" name=""/>
+        <p:cNvGrpSpPr/>
+        <p:nvPr/>
+      </p:nvGrpSpPr>
+      <p:grpSpPr>
+        <a:xfrm>
+          <a:off x="0" y="0"/>
+          <a:ext cx="0" cy="0"/>
+          <a:chOff x="0" y="0"/>
+          <a:chExt cx="0" cy="0"/>
+        </a:xfrm>
+      </p:grpSpPr>
+      <p:pic>
+        <p:nvPicPr>
+          <p:cNvPr id="5" name="图片 4">
+            <a:extLst>
+              <a:ext uri="{FF2B5EF4-FFF2-40B4-BE49-F238E27FC236}">
+                <a16:creationId xmlns:a16="http://schemas.microsoft.com/office/drawing/2014/main" id="{1BD3EAA6-5124-3D4A-95FF-740B70F60318}"/>
+              </a:ext>
+            </a:extLst>
+          </p:cNvPr>
+          <p:cNvPicPr>
+            <a:picLocks noChangeAspect="1"/>
+          </p:cNvPicPr>
+          <p:nvPr userDrawn="1"/>
+        </p:nvPicPr>
+        <p:blipFill>
+          <a:blip r:embed="rId2" cstate="print">
+            <a:extLst>
+              <a:ext uri="{28A0092B-C50C-407E-A947-70E740481C1C}">
+                <a14:useLocalDpi xmlns:a14="http://schemas.microsoft.com/office/drawing/2010/main"/>
+              </a:ext>
+            </a:extLst>
+          </a:blip>
+          <a:stretch>
+            <a:fillRect/>
+          </a:stretch>
+        </p:blipFill>
+        <p:spPr>
+          <a:xfrm>
+            <a:off x="0" y="0"/>
+            <a:ext cx="12196763" cy="6858000"/>
+          </a:xfrm>
+          <a:prstGeom prst="rect">
+            <a:avLst/>
+          </a:prstGeom>
+        </p:spPr>
+      </p:pic>
+      <p:sp>
+        <p:nvSpPr>
+          <p:cNvPr id="2" name="TextBox 2">
+            <a:extLst>
+              <a:ext uri="{FF2B5EF4-FFF2-40B4-BE49-F238E27FC236}">
+                <a16:creationId xmlns:a16="http://schemas.microsoft.com/office/drawing/2014/main" id="{F3652C3B-3BDF-C967-C9F7-FC41B185F5A1}"/>
+              </a:ext>
+            </a:extLst>
+          </p:cNvPr>
+          <p:cNvSpPr txBox="1"/>
+          <p:nvPr userDrawn="1"/>
+        </p:nvSpPr>
+        <p:spPr>
+          <a:xfrm>
+            <a:off x="543605" y="6449875"/>
+            <a:ext cx="728026" cy="295466"/>
+          </a:xfrm>
+          <a:prstGeom prst="rect">
+            <a:avLst/>
+          </a:prstGeom>
+          <a:noFill/>
+        </p:spPr>
+        <p:txBody>
+          <a:bodyPr wrap="square" rtlCol="0">
+            <a:spAutoFit/>
+          </a:bodyPr>
+          <a:lstStyle/>
+          <a:p>
+            <a:pPr>
+              <a:lnSpc>
+                <a:spcPct val="120000"/>
+              </a:lnSpc>
+              <a:spcBef>
+                <a:spcPct val="20000"/>
+              </a:spcBef>
+              <a:buClr>
+                <a:srgbClr val="1D1D1A"/>
+              </a:buClr>
+              <a:buSzPct val="50000"/>
+              <a:buFont typeface="Wingdings" pitchFamily="2" charset="2"/>
+              <a:buNone/>
+            </a:pPr>
+            <a:r>
+              <a:rPr lang="en-US" altLang="zh-CN" sz="1200" dirty="0">
+                <a:solidFill>
+                  <a:schemeClr val="tx2"/>
+                </a:solidFill>
+                <a:latin typeface="Futura-Medium" panose="020B0602020204020303" pitchFamily="34" charset="-79"/>
+                <a:ea typeface="微软雅黑" panose="020B0503020204020204" pitchFamily="34" charset="-122"/>
+                <a:cs typeface="Futura-Medium" panose="020B0602020204020303" pitchFamily="34" charset="-79"/>
+              </a:rPr>
+              <a:t>ZOMI</a:t>
+            </a:r>
+            <a:endParaRPr lang="en-US" sz="1200" dirty="0">
+              <a:solidFill>
+                <a:schemeClr val="tx2"/>
+              </a:solidFill>
+              <a:latin typeface="Futura-Medium" panose="020B0602020204020303" pitchFamily="34" charset="-79"/>
+              <a:ea typeface="微软雅黑" panose="020B0503020204020204" pitchFamily="34" charset="-122"/>
+              <a:cs typeface="Futura-Medium" panose="020B0602020204020303" pitchFamily="34" charset="-79"/>
+            </a:endParaRPr>
+          </a:p>
+        </p:txBody>
+      </p:sp>
+      <p:sp>
+        <p:nvSpPr>
+          <p:cNvPr id="3" name="TextBox 3">
+            <a:extLst>
+              <a:ext uri="{FF2B5EF4-FFF2-40B4-BE49-F238E27FC236}">
+                <a16:creationId xmlns:a16="http://schemas.microsoft.com/office/drawing/2014/main" id="{62216C8F-403B-B46A-188F-43EEF71787AB}"/>
+              </a:ext>
+            </a:extLst>
+          </p:cNvPr>
+          <p:cNvSpPr txBox="1"/>
+          <p:nvPr userDrawn="1"/>
+        </p:nvSpPr>
+        <p:spPr>
+          <a:xfrm>
+            <a:off x="8358978" y="6505275"/>
+            <a:ext cx="499730" cy="184666"/>
+          </a:xfrm>
+          <a:prstGeom prst="rect">
+            <a:avLst/>
+          </a:prstGeom>
+          <a:noFill/>
+        </p:spPr>
+        <p:txBody>
+          <a:bodyPr wrap="square" lIns="0" tIns="0" rIns="0" bIns="0" rtlCol="0">
+            <a:spAutoFit/>
+          </a:bodyPr>
+          <a:lstStyle/>
+          <a:p>
+            <a:pPr algn="ctr" defTabSz="890204" fontAlgn="auto">
+              <a:spcBef>
+                <a:spcPts val="0"/>
+              </a:spcBef>
+              <a:spcAft>
+                <a:spcPts val="0"/>
+              </a:spcAft>
+              <a:defRPr/>
+            </a:pPr>
+            <a:fld id="{C3837181-38C6-AD4F-B8BA-B444770388BB}" type="slidenum">
+              <a:rPr lang="en-US" sz="1200" smtClean="0">
+                <a:solidFill>
+                  <a:schemeClr val="tx2"/>
+                </a:solidFill>
+                <a:latin typeface="Arial" panose="020B0604020202020204" pitchFamily="34" charset="0"/>
+                <a:ea typeface="华文细黑" pitchFamily="2" charset="-122"/>
+                <a:cs typeface="Arial" panose="020B0604020202020204" pitchFamily="34" charset="0"/>
+              </a:rPr>
+              <a:pPr algn="ctr" defTabSz="890204" fontAlgn="auto">
+                <a:spcBef>
+                  <a:spcPts val="0"/>
+                </a:spcBef>
+                <a:spcAft>
+                  <a:spcPts val="0"/>
+                </a:spcAft>
+                <a:defRPr/>
+              </a:pPr>
+              <a:t>‹#›</a:t>
+            </a:fld>
+            <a:endParaRPr lang="en-US" sz="1200" dirty="0">
+              <a:solidFill>
+                <a:schemeClr val="tx2"/>
+              </a:solidFill>
+              <a:latin typeface="Arial" panose="020B0604020202020204" pitchFamily="34" charset="0"/>
+              <a:ea typeface="华文细黑" pitchFamily="2" charset="-122"/>
+              <a:cs typeface="Arial" panose="020B0604020202020204" pitchFamily="34" charset="0"/>
+            </a:endParaRPr>
+          </a:p>
+        </p:txBody>
+      </p:sp>
+      <p:pic>
+        <p:nvPicPr>
+          <p:cNvPr id="4" name="图片 3">
+            <a:extLst>
+              <a:ext uri="{FF2B5EF4-FFF2-40B4-BE49-F238E27FC236}">
+                <a16:creationId xmlns:a16="http://schemas.microsoft.com/office/drawing/2014/main" id="{1503A16B-634D-EAB9-B25D-7FC30383ACC6}"/>
+              </a:ext>
+            </a:extLst>
+          </p:cNvPr>
+          <p:cNvPicPr>
+            <a:picLocks noChangeAspect="1"/>
+          </p:cNvPicPr>
+          <p:nvPr userDrawn="1"/>
+        </p:nvPicPr>
+        <p:blipFill>
+          <a:blip r:embed="rId3" cstate="print">
+            <a:alphaModFix amt="70000"/>
+            <a:extLst>
+              <a:ext uri="{28A0092B-C50C-407E-A947-70E740481C1C}">
+                <a14:useLocalDpi xmlns:a14="http://schemas.microsoft.com/office/drawing/2010/main"/>
+              </a:ext>
+            </a:extLst>
+          </a:blip>
+          <a:stretch>
+            <a:fillRect/>
+          </a:stretch>
+        </p:blipFill>
+        <p:spPr>
+          <a:xfrm>
+            <a:off x="266621" y="6471608"/>
+            <a:ext cx="252000" cy="252000"/>
+          </a:xfrm>
+          <a:prstGeom prst="ellipse">
+            <a:avLst/>
+          </a:prstGeom>
+          <a:ln w="28575" cap="rnd">
+            <a:solidFill>
+              <a:schemeClr val="tx2"/>
+            </a:solidFill>
+            <a:prstDash val="solid"/>
+          </a:ln>
+          <a:effectLst/>
+        </p:spPr>
+      </p:pic>
+      <p:sp>
+        <p:nvSpPr>
+          <p:cNvPr id="6" name="TextBox 2">
+            <a:extLst>
+              <a:ext uri="{FF2B5EF4-FFF2-40B4-BE49-F238E27FC236}">
+                <a16:creationId xmlns:a16="http://schemas.microsoft.com/office/drawing/2014/main" id="{1F0AA649-F2A3-8307-89FA-873D519CD422}"/>
+              </a:ext>
+            </a:extLst>
+          </p:cNvPr>
+          <p:cNvSpPr txBox="1"/>
+          <p:nvPr userDrawn="1"/>
+        </p:nvSpPr>
+        <p:spPr>
+          <a:xfrm>
+            <a:off x="8830447" y="6458435"/>
+            <a:ext cx="3237243" cy="278346"/>
+          </a:xfrm>
+          <a:prstGeom prst="rect">
+            <a:avLst/>
+          </a:prstGeom>
+          <a:noFill/>
+        </p:spPr>
+        <p:txBody>
+          <a:bodyPr wrap="square" rtlCol="0">
+            <a:spAutoFit/>
+          </a:bodyPr>
+          <a:lstStyle/>
+          <a:p>
+            <a:pPr algn="r">
+              <a:lnSpc>
+                <a:spcPct val="120000"/>
+              </a:lnSpc>
+              <a:spcBef>
+                <a:spcPct val="20000"/>
+              </a:spcBef>
+              <a:buClr>
+                <a:srgbClr val="1D1D1A"/>
+              </a:buClr>
+              <a:buSzPct val="50000"/>
+              <a:buFont typeface="Wingdings" pitchFamily="2" charset="2"/>
+              <a:buNone/>
+            </a:pPr>
+            <a:r>
+              <a:rPr lang="en-US" altLang="zh-CN" sz="1100" dirty="0">
+                <a:solidFill>
+                  <a:schemeClr val="tx2"/>
+                </a:solidFill>
+                <a:latin typeface="Gill Sans MT" panose="020B0502020104020203" pitchFamily="34" charset="0"/>
+                <a:ea typeface="+mj-ea"/>
+                <a:cs typeface="Futura-Medium" panose="020B0602020204020303" pitchFamily="34" charset="-79"/>
+              </a:rPr>
+              <a:t>GitHub</a:t>
+            </a:r>
+            <a:r>
+              <a:rPr lang="zh-CN" altLang="en-US" sz="1100" dirty="0">
+                <a:solidFill>
+                  <a:schemeClr val="tx2"/>
+                </a:solidFill>
+                <a:latin typeface="Gill Sans MT" panose="020B0502020104020203" pitchFamily="34" charset="0"/>
+                <a:ea typeface="+mj-ea"/>
+                <a:cs typeface="Futura-Medium" panose="020B0602020204020303" pitchFamily="34" charset="-79"/>
+              </a:rPr>
+              <a:t> </a:t>
+            </a:r>
+            <a:r>
+              <a:rPr lang="en-US" altLang="zh-CN" sz="1100" dirty="0">
+                <a:solidFill>
+                  <a:schemeClr val="tx2"/>
+                </a:solidFill>
+                <a:latin typeface="Gill Sans MT" panose="020B0502020104020203" pitchFamily="34" charset="0"/>
+                <a:ea typeface="+mj-ea"/>
+                <a:cs typeface="Futura-Medium" panose="020B0602020204020303" pitchFamily="34" charset="-79"/>
+              </a:rPr>
+              <a:t>https://</a:t>
+            </a:r>
+            <a:r>
+              <a:rPr lang="en-US" altLang="zh-CN" sz="1100" dirty="0" err="1">
+                <a:solidFill>
+                  <a:schemeClr val="tx2"/>
+                </a:solidFill>
+                <a:latin typeface="Gill Sans MT" panose="020B0502020104020203" pitchFamily="34" charset="0"/>
+                <a:ea typeface="+mj-ea"/>
+                <a:cs typeface="Futura-Medium" panose="020B0602020204020303" pitchFamily="34" charset="-79"/>
+              </a:rPr>
+              <a:t>github.com</a:t>
+            </a:r>
+            <a:r>
+              <a:rPr lang="en-US" altLang="zh-CN" sz="1100" dirty="0">
+                <a:solidFill>
+                  <a:schemeClr val="tx2"/>
+                </a:solidFill>
+                <a:latin typeface="Gill Sans MT" panose="020B0502020104020203" pitchFamily="34" charset="0"/>
+                <a:ea typeface="+mj-ea"/>
+                <a:cs typeface="Futura-Medium" panose="020B0602020204020303" pitchFamily="34" charset="-79"/>
+              </a:rPr>
+              <a:t>/chenzomi12/</a:t>
+            </a:r>
+            <a:r>
+              <a:rPr lang="en-US" altLang="zh-CN" sz="1100" dirty="0" err="1">
+                <a:solidFill>
+                  <a:schemeClr val="tx2"/>
+                </a:solidFill>
+                <a:latin typeface="Gill Sans MT" panose="020B0502020104020203" pitchFamily="34" charset="0"/>
+                <a:ea typeface="+mj-ea"/>
+                <a:cs typeface="Futura-Medium" panose="020B0602020204020303" pitchFamily="34" charset="-79"/>
+              </a:rPr>
+              <a:t>AIFoundation</a:t>
+            </a:r>
+            <a:endParaRPr lang="en-US" sz="1100" dirty="0">
+              <a:solidFill>
+                <a:schemeClr val="tx2"/>
+              </a:solidFill>
+              <a:latin typeface="Gill Sans MT" panose="020B0502020104020203" pitchFamily="34" charset="0"/>
+              <a:ea typeface="+mj-ea"/>
+              <a:cs typeface="Futura-Medium" panose="020B0602020204020303" pitchFamily="34" charset="-79"/>
+            </a:endParaRPr>
+          </a:p>
+        </p:txBody>
+      </p:sp>
+      <p:sp>
+        <p:nvSpPr>
+          <p:cNvPr id="7" name="内容占位符 2">
+            <a:extLst>
+              <a:ext uri="{FF2B5EF4-FFF2-40B4-BE49-F238E27FC236}">
+                <a16:creationId xmlns:a16="http://schemas.microsoft.com/office/drawing/2014/main" id="{35A58353-89D2-75E1-4F31-34BFB4BE3291}"/>
+              </a:ext>
+            </a:extLst>
+          </p:cNvPr>
+          <p:cNvSpPr>
+            <a:spLocks noGrp="1"/>
+          </p:cNvSpPr>
+          <p:nvPr>
+            <p:ph sz="half" idx="1"/>
+          </p:nvPr>
+        </p:nvSpPr>
+        <p:spPr>
+          <a:xfrm>
+            <a:off x="481757" y="2406869"/>
+            <a:ext cx="11161240" cy="3603651"/>
+          </a:xfrm>
+          <a:prstGeom prst="rect">
+            <a:avLst/>
+          </a:prstGeom>
+          <a:noFill/>
+        </p:spPr>
+        <p:txBody>
+          <a:bodyPr anchor="ctr">
+            <a:normAutofit/>
+          </a:bodyPr>
+          <a:lstStyle>
+            <a:lvl1pPr marL="0" marR="0" indent="0" algn="ctr" defTabSz="1218804" rtl="0" eaLnBrk="0" fontAlgn="base" latinLnBrk="0" hangingPunct="0">
+              <a:lnSpc>
+                <a:spcPct val="100000"/>
+              </a:lnSpc>
+              <a:spcBef>
+                <a:spcPts val="0"/>
+              </a:spcBef>
+              <a:spcAft>
+                <a:spcPct val="0"/>
+              </a:spcAft>
+              <a:buClr>
+                <a:srgbClr val="71B2FF"/>
+              </a:buClr>
+              <a:buSzPct val="110000"/>
+              <a:buFont typeface="+mj-lt"/>
+              <a:buNone/>
+              <a:tabLst/>
+              <a:defRPr kumimoji="0" lang="zh-CN" altLang="en-US" sz="9600" b="1" i="0" u="none" strike="noStrike" kern="0" cap="none" spc="0" normalizeH="0" baseline="0" dirty="0">
+                <a:ln>
+                  <a:noFill/>
+                </a:ln>
+                <a:solidFill>
+                  <a:schemeClr val="bg1"/>
+                </a:solidFill>
+                <a:effectLst/>
+                <a:uLnTx/>
+                <a:uFillTx/>
+                <a:latin typeface="Futura-Medium" panose="020B0602020204020303" pitchFamily="34" charset="-79"/>
+                <a:ea typeface="微软雅黑" pitchFamily="34" charset="-122"/>
+                <a:cs typeface="Futura-Medium" panose="020B0602020204020303" pitchFamily="34" charset="-79"/>
+              </a:defRPr>
+            </a:lvl1pPr>
+            <a:lvl2pPr marL="476096" marR="0" indent="-236990" algn="l" defTabSz="1218804" rtl="0" eaLnBrk="0" fontAlgn="base" latinLnBrk="0" hangingPunct="0">
+              <a:lnSpc>
+                <a:spcPct val="150000"/>
+              </a:lnSpc>
+              <a:spcBef>
+                <a:spcPts val="0"/>
+              </a:spcBef>
+              <a:spcAft>
+                <a:spcPct val="0"/>
+              </a:spcAft>
+              <a:buClr>
+                <a:srgbClr val="71B2FF"/>
+              </a:buClr>
+              <a:buFont typeface="Arial" panose="020B0604020202020204" pitchFamily="34" charset="0"/>
+              <a:buChar char="◦"/>
+              <a:tabLst/>
+              <a:defRPr kumimoji="0" lang="zh-CN" altLang="en-US" sz="1200" b="0" i="0" u="none" strike="noStrike" kern="0" cap="none" spc="0" normalizeH="0" baseline="0" dirty="0">
+                <a:ln>
+                  <a:noFill/>
+                </a:ln>
+                <a:solidFill>
+                  <a:srgbClr val="374154"/>
+                </a:solidFill>
+                <a:effectLst/>
+                <a:uLnTx/>
+                <a:uFillTx/>
+                <a:latin typeface="微软雅黑" pitchFamily="34" charset="-122"/>
+                <a:ea typeface="微软雅黑" pitchFamily="34" charset="-122"/>
+                <a:cs typeface="+mn-cs"/>
+              </a:defRPr>
+            </a:lvl2pPr>
+            <a:lvl3pPr marL="833696" marR="0" indent="-236990" algn="l" defTabSz="1218804" rtl="0" eaLnBrk="0" fontAlgn="base" latinLnBrk="0" hangingPunct="0">
+              <a:lnSpc>
+                <a:spcPct val="150000"/>
+              </a:lnSpc>
+              <a:spcBef>
+                <a:spcPts val="0"/>
+              </a:spcBef>
+              <a:spcAft>
+                <a:spcPct val="0"/>
+              </a:spcAft>
+              <a:buClr>
+                <a:srgbClr val="71B2FF"/>
+              </a:buClr>
+              <a:buFontTx/>
+              <a:buChar char="-"/>
+              <a:tabLst/>
+              <a:defRPr kumimoji="0" lang="zh-CN" altLang="en-US" sz="1200" b="0" i="0" u="none" strike="noStrike" kern="0" cap="none" spc="0" normalizeH="0" baseline="0" dirty="0">
+                <a:ln>
+                  <a:noFill/>
+                </a:ln>
+                <a:solidFill>
+                  <a:srgbClr val="374154"/>
+                </a:solidFill>
+                <a:effectLst/>
+                <a:uLnTx/>
+                <a:uFillTx/>
+                <a:latin typeface="微软雅黑" pitchFamily="34" charset="-122"/>
+                <a:ea typeface="微软雅黑" pitchFamily="34" charset="-122"/>
+                <a:cs typeface="+mn-cs"/>
+              </a:defRPr>
+            </a:lvl3pPr>
+            <a:lvl4pPr>
+              <a:defRPr sz="1542"/>
+            </a:lvl4pPr>
+            <a:lvl5pPr>
+              <a:defRPr sz="1542"/>
+            </a:lvl5pPr>
+            <a:lvl6pPr>
+              <a:defRPr sz="1542"/>
+            </a:lvl6pPr>
+            <a:lvl7pPr>
+              <a:defRPr sz="1542"/>
+            </a:lvl7pPr>
+            <a:lvl8pPr>
+              <a:defRPr sz="1542"/>
+            </a:lvl8pPr>
+            <a:lvl9pPr>
+              <a:defRPr sz="1542"/>
+            </a:lvl9pPr>
+          </a:lstStyle>
+          <a:p>
+            <a:pPr lvl="0"/>
+            <a:r>
+              <a:rPr lang="zh-CN" altLang="en-US" dirty="0"/>
+              <a:t>单击此处编辑母版文本样式</a:t>
+            </a:r>
+          </a:p>
+        </p:txBody>
+      </p:sp>
+    </p:spTree>
+    <p:extLst>
+      <p:ext uri="{BB962C8B-B14F-4D97-AF65-F5344CB8AC3E}">
+        <p14:creationId xmlns:p14="http://schemas.microsoft.com/office/powerpoint/2010/main" val="8511906"/>
+      </p:ext>
+    </p:extLst>
+  </p:cSld>
+  <p:clrMapOvr>
+    <a:masterClrMapping/>
+  </p:clrMapOvr>
+</p:sldLayout>
+</file>
+
+<file path=ppt/slideLayouts/slideLayout3.xml><?xml version="1.0" encoding="utf-8"?>
 <p:sldLayout xmlns:a="http://schemas.openxmlformats.org/drawingml/2006/main" xmlns:r="http://schemas.openxmlformats.org/officeDocument/2006/relationships" xmlns:p="http://schemas.openxmlformats.org/presentationml/2006/main" preserve="1" userDrawn="1">
   <p:cSld name="标题幻灯片">
     <p:spTree>
@@ -1363,7 +2395,7 @@
 </p:sldLayout>
 </file>
 
-<file path=ppt/slideLayouts/slideLayout3.xml><?xml version="1.0" encoding="utf-8"?>
+<file path=ppt/slideLayouts/slideLayout4.xml><?xml version="1.0" encoding="utf-8"?>
 <p:sldLayout xmlns:a="http://schemas.openxmlformats.org/drawingml/2006/main" xmlns:r="http://schemas.openxmlformats.org/officeDocument/2006/relationships" xmlns:p="http://schemas.openxmlformats.org/presentationml/2006/main" preserve="1" userDrawn="1">
   <p:cSld name="3_标题幻灯片">
     <p:spTree>
@@ -1621,7 +2653,7 @@
 </p:sldLayout>
 </file>
 
-<file path=ppt/slideLayouts/slideLayout4.xml><?xml version="1.0" encoding="utf-8"?>
+<file path=ppt/slideLayouts/slideLayout5.xml><?xml version="1.0" encoding="utf-8"?>
 <p:sldLayout xmlns:a="http://schemas.openxmlformats.org/drawingml/2006/main" xmlns:r="http://schemas.openxmlformats.org/officeDocument/2006/relationships" xmlns:p="http://schemas.openxmlformats.org/presentationml/2006/main" preserve="1" userDrawn="1">
   <p:cSld name="4_标题幻灯片">
     <p:spTree>
@@ -1816,7 +2848,521 @@
 </p:sldLayout>
 </file>
 
-<file path=ppt/slideLayouts/slideLayout5.xml><?xml version="1.0" encoding="utf-8"?>
+<file path=ppt/slideLayouts/slideLayout6.xml><?xml version="1.0" encoding="utf-8"?>
+<p:sldLayout xmlns:a="http://schemas.openxmlformats.org/drawingml/2006/main" xmlns:r="http://schemas.openxmlformats.org/officeDocument/2006/relationships" xmlns:p="http://schemas.openxmlformats.org/presentationml/2006/main" userDrawn="1">
+  <p:cSld name="1_篇章页">
+    <p:spTree>
+      <p:nvGrpSpPr>
+        <p:cNvPr id="1" name=""/>
+        <p:cNvGrpSpPr/>
+        <p:nvPr/>
+      </p:nvGrpSpPr>
+      <p:grpSpPr>
+        <a:xfrm>
+          <a:off x="0" y="0"/>
+          <a:ext cx="0" cy="0"/>
+          <a:chOff x="0" y="0"/>
+          <a:chExt cx="0" cy="0"/>
+        </a:xfrm>
+      </p:grpSpPr>
+      <p:pic>
+        <p:nvPicPr>
+          <p:cNvPr id="5" name="图片 4">
+            <a:extLst>
+              <a:ext uri="{FF2B5EF4-FFF2-40B4-BE49-F238E27FC236}">
+                <a16:creationId xmlns:a16="http://schemas.microsoft.com/office/drawing/2014/main" id="{1BD3EAA6-5124-3D4A-95FF-740B70F60318}"/>
+              </a:ext>
+            </a:extLst>
+          </p:cNvPr>
+          <p:cNvPicPr>
+            <a:picLocks noChangeAspect="1"/>
+          </p:cNvPicPr>
+          <p:nvPr userDrawn="1"/>
+        </p:nvPicPr>
+        <p:blipFill>
+          <a:blip r:embed="rId2" cstate="print">
+            <a:extLst>
+              <a:ext uri="{28A0092B-C50C-407E-A947-70E740481C1C}">
+                <a14:useLocalDpi xmlns:a14="http://schemas.microsoft.com/office/drawing/2010/main"/>
+              </a:ext>
+            </a:extLst>
+          </a:blip>
+          <a:stretch>
+            <a:fillRect/>
+          </a:stretch>
+        </p:blipFill>
+        <p:spPr>
+          <a:xfrm>
+            <a:off x="0" y="0"/>
+            <a:ext cx="12196763" cy="6858000"/>
+          </a:xfrm>
+          <a:prstGeom prst="rect">
+            <a:avLst/>
+          </a:prstGeom>
+        </p:spPr>
+      </p:pic>
+      <p:sp>
+        <p:nvSpPr>
+          <p:cNvPr id="2" name="TextBox 2">
+            <a:extLst>
+              <a:ext uri="{FF2B5EF4-FFF2-40B4-BE49-F238E27FC236}">
+                <a16:creationId xmlns:a16="http://schemas.microsoft.com/office/drawing/2014/main" id="{F3652C3B-3BDF-C967-C9F7-FC41B185F5A1}"/>
+              </a:ext>
+            </a:extLst>
+          </p:cNvPr>
+          <p:cNvSpPr txBox="1"/>
+          <p:nvPr userDrawn="1"/>
+        </p:nvSpPr>
+        <p:spPr>
+          <a:xfrm>
+            <a:off x="543605" y="6449875"/>
+            <a:ext cx="728026" cy="295466"/>
+          </a:xfrm>
+          <a:prstGeom prst="rect">
+            <a:avLst/>
+          </a:prstGeom>
+          <a:noFill/>
+        </p:spPr>
+        <p:txBody>
+          <a:bodyPr wrap="square" rtlCol="0">
+            <a:spAutoFit/>
+          </a:bodyPr>
+          <a:lstStyle/>
+          <a:p>
+            <a:pPr>
+              <a:lnSpc>
+                <a:spcPct val="120000"/>
+              </a:lnSpc>
+              <a:spcBef>
+                <a:spcPct val="20000"/>
+              </a:spcBef>
+              <a:buClr>
+                <a:srgbClr val="1D1D1A"/>
+              </a:buClr>
+              <a:buSzPct val="50000"/>
+              <a:buFont typeface="Wingdings" pitchFamily="2" charset="2"/>
+              <a:buNone/>
+            </a:pPr>
+            <a:r>
+              <a:rPr lang="en-US" altLang="zh-CN" sz="1200" dirty="0">
+                <a:solidFill>
+                  <a:schemeClr val="tx2"/>
+                </a:solidFill>
+                <a:latin typeface="Futura-Medium" panose="020B0602020204020303" pitchFamily="34" charset="-79"/>
+                <a:ea typeface="微软雅黑" panose="020B0503020204020204" pitchFamily="34" charset="-122"/>
+                <a:cs typeface="Futura-Medium" panose="020B0602020204020303" pitchFamily="34" charset="-79"/>
+              </a:rPr>
+              <a:t>ZOMI</a:t>
+            </a:r>
+            <a:endParaRPr lang="en-US" sz="1200" dirty="0">
+              <a:solidFill>
+                <a:schemeClr val="tx2"/>
+              </a:solidFill>
+              <a:latin typeface="Futura-Medium" panose="020B0602020204020303" pitchFamily="34" charset="-79"/>
+              <a:ea typeface="微软雅黑" panose="020B0503020204020204" pitchFamily="34" charset="-122"/>
+              <a:cs typeface="Futura-Medium" panose="020B0602020204020303" pitchFamily="34" charset="-79"/>
+            </a:endParaRPr>
+          </a:p>
+        </p:txBody>
+      </p:sp>
+      <p:sp>
+        <p:nvSpPr>
+          <p:cNvPr id="3" name="TextBox 3">
+            <a:extLst>
+              <a:ext uri="{FF2B5EF4-FFF2-40B4-BE49-F238E27FC236}">
+                <a16:creationId xmlns:a16="http://schemas.microsoft.com/office/drawing/2014/main" id="{62216C8F-403B-B46A-188F-43EEF71787AB}"/>
+              </a:ext>
+            </a:extLst>
+          </p:cNvPr>
+          <p:cNvSpPr txBox="1"/>
+          <p:nvPr userDrawn="1"/>
+        </p:nvSpPr>
+        <p:spPr>
+          <a:xfrm>
+            <a:off x="8358978" y="6505275"/>
+            <a:ext cx="499730" cy="184666"/>
+          </a:xfrm>
+          <a:prstGeom prst="rect">
+            <a:avLst/>
+          </a:prstGeom>
+          <a:noFill/>
+        </p:spPr>
+        <p:txBody>
+          <a:bodyPr wrap="square" lIns="0" tIns="0" rIns="0" bIns="0" rtlCol="0">
+            <a:spAutoFit/>
+          </a:bodyPr>
+          <a:lstStyle/>
+          <a:p>
+            <a:pPr algn="ctr" defTabSz="890204" fontAlgn="auto">
+              <a:spcBef>
+                <a:spcPts val="0"/>
+              </a:spcBef>
+              <a:spcAft>
+                <a:spcPts val="0"/>
+              </a:spcAft>
+              <a:defRPr/>
+            </a:pPr>
+            <a:fld id="{C3837181-38C6-AD4F-B8BA-B444770388BB}" type="slidenum">
+              <a:rPr lang="en-US" sz="1200" smtClean="0">
+                <a:solidFill>
+                  <a:schemeClr val="tx2"/>
+                </a:solidFill>
+                <a:latin typeface="Arial" panose="020B0604020202020204" pitchFamily="34" charset="0"/>
+                <a:ea typeface="华文细黑" pitchFamily="2" charset="-122"/>
+                <a:cs typeface="Arial" panose="020B0604020202020204" pitchFamily="34" charset="0"/>
+              </a:rPr>
+              <a:pPr algn="ctr" defTabSz="890204" fontAlgn="auto">
+                <a:spcBef>
+                  <a:spcPts val="0"/>
+                </a:spcBef>
+                <a:spcAft>
+                  <a:spcPts val="0"/>
+                </a:spcAft>
+                <a:defRPr/>
+              </a:pPr>
+              <a:t>‹#›</a:t>
+            </a:fld>
+            <a:endParaRPr lang="en-US" sz="1200" dirty="0">
+              <a:solidFill>
+                <a:schemeClr val="tx2"/>
+              </a:solidFill>
+              <a:latin typeface="Arial" panose="020B0604020202020204" pitchFamily="34" charset="0"/>
+              <a:ea typeface="华文细黑" pitchFamily="2" charset="-122"/>
+              <a:cs typeface="Arial" panose="020B0604020202020204" pitchFamily="34" charset="0"/>
+            </a:endParaRPr>
+          </a:p>
+        </p:txBody>
+      </p:sp>
+      <p:pic>
+        <p:nvPicPr>
+          <p:cNvPr id="4" name="图片 3">
+            <a:extLst>
+              <a:ext uri="{FF2B5EF4-FFF2-40B4-BE49-F238E27FC236}">
+                <a16:creationId xmlns:a16="http://schemas.microsoft.com/office/drawing/2014/main" id="{1503A16B-634D-EAB9-B25D-7FC30383ACC6}"/>
+              </a:ext>
+            </a:extLst>
+          </p:cNvPr>
+          <p:cNvPicPr>
+            <a:picLocks noChangeAspect="1"/>
+          </p:cNvPicPr>
+          <p:nvPr userDrawn="1"/>
+        </p:nvPicPr>
+        <p:blipFill>
+          <a:blip r:embed="rId3" cstate="print">
+            <a:alphaModFix amt="70000"/>
+            <a:extLst>
+              <a:ext uri="{28A0092B-C50C-407E-A947-70E740481C1C}">
+                <a14:useLocalDpi xmlns:a14="http://schemas.microsoft.com/office/drawing/2010/main"/>
+              </a:ext>
+            </a:extLst>
+          </a:blip>
+          <a:stretch>
+            <a:fillRect/>
+          </a:stretch>
+        </p:blipFill>
+        <p:spPr>
+          <a:xfrm>
+            <a:off x="266621" y="6471608"/>
+            <a:ext cx="252000" cy="252000"/>
+          </a:xfrm>
+          <a:prstGeom prst="ellipse">
+            <a:avLst/>
+          </a:prstGeom>
+          <a:ln w="28575" cap="rnd">
+            <a:solidFill>
+              <a:schemeClr val="tx2"/>
+            </a:solidFill>
+            <a:prstDash val="solid"/>
+          </a:ln>
+          <a:effectLst/>
+        </p:spPr>
+      </p:pic>
+      <p:sp>
+        <p:nvSpPr>
+          <p:cNvPr id="6" name="TextBox 2">
+            <a:extLst>
+              <a:ext uri="{FF2B5EF4-FFF2-40B4-BE49-F238E27FC236}">
+                <a16:creationId xmlns:a16="http://schemas.microsoft.com/office/drawing/2014/main" id="{1F0AA649-F2A3-8307-89FA-873D519CD422}"/>
+              </a:ext>
+            </a:extLst>
+          </p:cNvPr>
+          <p:cNvSpPr txBox="1"/>
+          <p:nvPr userDrawn="1"/>
+        </p:nvSpPr>
+        <p:spPr>
+          <a:xfrm>
+            <a:off x="8830447" y="6458435"/>
+            <a:ext cx="3237243" cy="278346"/>
+          </a:xfrm>
+          <a:prstGeom prst="rect">
+            <a:avLst/>
+          </a:prstGeom>
+          <a:noFill/>
+        </p:spPr>
+        <p:txBody>
+          <a:bodyPr wrap="square" rtlCol="0">
+            <a:spAutoFit/>
+          </a:bodyPr>
+          <a:lstStyle/>
+          <a:p>
+            <a:pPr algn="r">
+              <a:lnSpc>
+                <a:spcPct val="120000"/>
+              </a:lnSpc>
+              <a:spcBef>
+                <a:spcPct val="20000"/>
+              </a:spcBef>
+              <a:buClr>
+                <a:srgbClr val="1D1D1A"/>
+              </a:buClr>
+              <a:buSzPct val="50000"/>
+              <a:buFont typeface="Wingdings" pitchFamily="2" charset="2"/>
+              <a:buNone/>
+            </a:pPr>
+            <a:r>
+              <a:rPr lang="en-US" altLang="zh-CN" sz="1100" dirty="0">
+                <a:solidFill>
+                  <a:schemeClr val="tx2"/>
+                </a:solidFill>
+                <a:latin typeface="Gill Sans MT" panose="020B0502020104020203" pitchFamily="34" charset="0"/>
+                <a:ea typeface="+mj-ea"/>
+                <a:cs typeface="Futura-Medium" panose="020B0602020204020303" pitchFamily="34" charset="-79"/>
+              </a:rPr>
+              <a:t>GitHub</a:t>
+            </a:r>
+            <a:r>
+              <a:rPr lang="zh-CN" altLang="en-US" sz="1100" dirty="0">
+                <a:solidFill>
+                  <a:schemeClr val="tx2"/>
+                </a:solidFill>
+                <a:latin typeface="Gill Sans MT" panose="020B0502020104020203" pitchFamily="34" charset="0"/>
+                <a:ea typeface="+mj-ea"/>
+                <a:cs typeface="Futura-Medium" panose="020B0602020204020303" pitchFamily="34" charset="-79"/>
+              </a:rPr>
+              <a:t> </a:t>
+            </a:r>
+            <a:r>
+              <a:rPr lang="en-US" altLang="zh-CN" sz="1100" dirty="0">
+                <a:solidFill>
+                  <a:schemeClr val="tx2"/>
+                </a:solidFill>
+                <a:latin typeface="Gill Sans MT" panose="020B0502020104020203" pitchFamily="34" charset="0"/>
+                <a:ea typeface="+mj-ea"/>
+                <a:cs typeface="Futura-Medium" panose="020B0602020204020303" pitchFamily="34" charset="-79"/>
+              </a:rPr>
+              <a:t>https://</a:t>
+            </a:r>
+            <a:r>
+              <a:rPr lang="en-US" altLang="zh-CN" sz="1100" dirty="0" err="1">
+                <a:solidFill>
+                  <a:schemeClr val="tx2"/>
+                </a:solidFill>
+                <a:latin typeface="Gill Sans MT" panose="020B0502020104020203" pitchFamily="34" charset="0"/>
+                <a:ea typeface="+mj-ea"/>
+                <a:cs typeface="Futura-Medium" panose="020B0602020204020303" pitchFamily="34" charset="-79"/>
+              </a:rPr>
+              <a:t>github.com</a:t>
+            </a:r>
+            <a:r>
+              <a:rPr lang="en-US" altLang="zh-CN" sz="1100" dirty="0">
+                <a:solidFill>
+                  <a:schemeClr val="tx2"/>
+                </a:solidFill>
+                <a:latin typeface="Gill Sans MT" panose="020B0502020104020203" pitchFamily="34" charset="0"/>
+                <a:ea typeface="+mj-ea"/>
+                <a:cs typeface="Futura-Medium" panose="020B0602020204020303" pitchFamily="34" charset="-79"/>
+              </a:rPr>
+              <a:t>/chenzomi12/</a:t>
+            </a:r>
+            <a:r>
+              <a:rPr lang="en-US" altLang="zh-CN" sz="1100" dirty="0" err="1">
+                <a:solidFill>
+                  <a:schemeClr val="tx2"/>
+                </a:solidFill>
+                <a:latin typeface="Gill Sans MT" panose="020B0502020104020203" pitchFamily="34" charset="0"/>
+                <a:ea typeface="+mj-ea"/>
+                <a:cs typeface="Futura-Medium" panose="020B0602020204020303" pitchFamily="34" charset="-79"/>
+              </a:rPr>
+              <a:t>AIFoundation</a:t>
+            </a:r>
+            <a:endParaRPr lang="en-US" sz="1100" dirty="0">
+              <a:solidFill>
+                <a:schemeClr val="tx2"/>
+              </a:solidFill>
+              <a:latin typeface="Gill Sans MT" panose="020B0502020104020203" pitchFamily="34" charset="0"/>
+              <a:ea typeface="+mj-ea"/>
+              <a:cs typeface="Futura-Medium" panose="020B0602020204020303" pitchFamily="34" charset="-79"/>
+            </a:endParaRPr>
+          </a:p>
+        </p:txBody>
+      </p:sp>
+      <p:sp>
+        <p:nvSpPr>
+          <p:cNvPr id="7" name="内容占位符 2">
+            <a:extLst>
+              <a:ext uri="{FF2B5EF4-FFF2-40B4-BE49-F238E27FC236}">
+                <a16:creationId xmlns:a16="http://schemas.microsoft.com/office/drawing/2014/main" id="{35A58353-89D2-75E1-4F31-34BFB4BE3291}"/>
+              </a:ext>
+            </a:extLst>
+          </p:cNvPr>
+          <p:cNvSpPr>
+            <a:spLocks noGrp="1"/>
+          </p:cNvSpPr>
+          <p:nvPr>
+            <p:ph sz="half" idx="1"/>
+          </p:nvPr>
+        </p:nvSpPr>
+        <p:spPr>
+          <a:xfrm>
+            <a:off x="481757" y="2406869"/>
+            <a:ext cx="11161240" cy="3603651"/>
+          </a:xfrm>
+          <a:prstGeom prst="rect">
+            <a:avLst/>
+          </a:prstGeom>
+          <a:noFill/>
+        </p:spPr>
+        <p:txBody>
+          <a:bodyPr anchor="ctr">
+            <a:normAutofit/>
+          </a:bodyPr>
+          <a:lstStyle>
+            <a:lvl1pPr marL="0" marR="0" indent="0" algn="ctr" defTabSz="1218804" rtl="0" eaLnBrk="0" fontAlgn="base" latinLnBrk="0" hangingPunct="0">
+              <a:lnSpc>
+                <a:spcPct val="100000"/>
+              </a:lnSpc>
+              <a:spcBef>
+                <a:spcPts val="0"/>
+              </a:spcBef>
+              <a:spcAft>
+                <a:spcPct val="0"/>
+              </a:spcAft>
+              <a:buClr>
+                <a:srgbClr val="71B2FF"/>
+              </a:buClr>
+              <a:buSzPct val="110000"/>
+              <a:buFont typeface="+mj-lt"/>
+              <a:buNone/>
+              <a:tabLst/>
+              <a:defRPr kumimoji="0" lang="zh-CN" altLang="en-US" sz="9600" b="1" i="0" u="none" strike="noStrike" kern="0" cap="none" spc="0" normalizeH="0" baseline="0" dirty="0">
+                <a:ln>
+                  <a:noFill/>
+                </a:ln>
+                <a:solidFill>
+                  <a:schemeClr val="bg1"/>
+                </a:solidFill>
+                <a:effectLst/>
+                <a:uLnTx/>
+                <a:uFillTx/>
+                <a:latin typeface="Futura-Medium" panose="020B0602020204020303" pitchFamily="34" charset="-79"/>
+                <a:ea typeface="微软雅黑" pitchFamily="34" charset="-122"/>
+                <a:cs typeface="Futura-Medium" panose="020B0602020204020303" pitchFamily="34" charset="-79"/>
+              </a:defRPr>
+            </a:lvl1pPr>
+            <a:lvl2pPr marL="476096" marR="0" indent="-236990" algn="l" defTabSz="1218804" rtl="0" eaLnBrk="0" fontAlgn="base" latinLnBrk="0" hangingPunct="0">
+              <a:lnSpc>
+                <a:spcPct val="150000"/>
+              </a:lnSpc>
+              <a:spcBef>
+                <a:spcPts val="0"/>
+              </a:spcBef>
+              <a:spcAft>
+                <a:spcPct val="0"/>
+              </a:spcAft>
+              <a:buClr>
+                <a:srgbClr val="71B2FF"/>
+              </a:buClr>
+              <a:buFont typeface="Arial" panose="020B0604020202020204" pitchFamily="34" charset="0"/>
+              <a:buChar char="◦"/>
+              <a:tabLst/>
+              <a:defRPr kumimoji="0" lang="zh-CN" altLang="en-US" sz="1200" b="0" i="0" u="none" strike="noStrike" kern="0" cap="none" spc="0" normalizeH="0" baseline="0" dirty="0">
+                <a:ln>
+                  <a:noFill/>
+                </a:ln>
+                <a:solidFill>
+                  <a:srgbClr val="374154"/>
+                </a:solidFill>
+                <a:effectLst/>
+                <a:uLnTx/>
+                <a:uFillTx/>
+                <a:latin typeface="微软雅黑" pitchFamily="34" charset="-122"/>
+                <a:ea typeface="微软雅黑" pitchFamily="34" charset="-122"/>
+                <a:cs typeface="+mn-cs"/>
+              </a:defRPr>
+            </a:lvl2pPr>
+            <a:lvl3pPr marL="833696" marR="0" indent="-236990" algn="l" defTabSz="1218804" rtl="0" eaLnBrk="0" fontAlgn="base" latinLnBrk="0" hangingPunct="0">
+              <a:lnSpc>
+                <a:spcPct val="150000"/>
+              </a:lnSpc>
+              <a:spcBef>
+                <a:spcPts val="0"/>
+              </a:spcBef>
+              <a:spcAft>
+                <a:spcPct val="0"/>
+              </a:spcAft>
+              <a:buClr>
+                <a:srgbClr val="71B2FF"/>
+              </a:buClr>
+              <a:buFontTx/>
+              <a:buChar char="-"/>
+              <a:tabLst/>
+              <a:defRPr kumimoji="0" lang="zh-CN" altLang="en-US" sz="1200" b="0" i="0" u="none" strike="noStrike" kern="0" cap="none" spc="0" normalizeH="0" baseline="0" dirty="0">
+                <a:ln>
+                  <a:noFill/>
+                </a:ln>
+                <a:solidFill>
+                  <a:srgbClr val="374154"/>
+                </a:solidFill>
+                <a:effectLst/>
+                <a:uLnTx/>
+                <a:uFillTx/>
+                <a:latin typeface="微软雅黑" pitchFamily="34" charset="-122"/>
+                <a:ea typeface="微软雅黑" pitchFamily="34" charset="-122"/>
+                <a:cs typeface="+mn-cs"/>
+              </a:defRPr>
+            </a:lvl3pPr>
+            <a:lvl4pPr>
+              <a:defRPr sz="1542"/>
+            </a:lvl4pPr>
+            <a:lvl5pPr>
+              <a:defRPr sz="1542"/>
+            </a:lvl5pPr>
+            <a:lvl6pPr>
+              <a:defRPr sz="1542"/>
+            </a:lvl6pPr>
+            <a:lvl7pPr>
+              <a:defRPr sz="1542"/>
+            </a:lvl7pPr>
+            <a:lvl8pPr>
+              <a:defRPr sz="1542"/>
+            </a:lvl8pPr>
+            <a:lvl9pPr>
+              <a:defRPr sz="1542"/>
+            </a:lvl9pPr>
+          </a:lstStyle>
+          <a:p>
+            <a:pPr lvl="0"/>
+            <a:r>
+              <a:rPr lang="zh-CN" altLang="en-US" dirty="0"/>
+              <a:t>单击此处编辑母版文本样式</a:t>
+            </a:r>
+          </a:p>
+        </p:txBody>
+      </p:sp>
+    </p:spTree>
+    <p:extLst>
+      <p:ext uri="{BB962C8B-B14F-4D97-AF65-F5344CB8AC3E}">
+        <p14:creationId xmlns:p14="http://schemas.microsoft.com/office/powerpoint/2010/main" val="1441436133"/>
+      </p:ext>
+    </p:extLst>
+  </p:cSld>
+  <p:clrMapOvr>
+    <a:masterClrMapping/>
+  </p:clrMapOvr>
+</p:sldLayout>
+</file>
+
+<file path=ppt/slideLayouts/slideLayout7.xml><?xml version="1.0" encoding="utf-8"?>
 <p:sldLayout xmlns:a="http://schemas.openxmlformats.org/drawingml/2006/main" xmlns:r="http://schemas.openxmlformats.org/officeDocument/2006/relationships" xmlns:p="http://schemas.openxmlformats.org/presentationml/2006/main" preserve="1" userDrawn="1">
   <p:cSld name="标题幻灯片">
     <p:spTree>
@@ -2035,7 +3581,7 @@
 </p:sldLayout>
 </file>
 
-<file path=ppt/slideLayouts/slideLayout6.xml><?xml version="1.0" encoding="utf-8"?>
+<file path=ppt/slideLayouts/slideLayout8.xml><?xml version="1.0" encoding="utf-8"?>
 <p:sldLayout xmlns:a="http://schemas.openxmlformats.org/drawingml/2006/main" xmlns:r="http://schemas.openxmlformats.org/officeDocument/2006/relationships" xmlns:p="http://schemas.openxmlformats.org/presentationml/2006/main" preserve="1" userDrawn="1">
   <p:cSld name="3_标题幻灯片">
     <p:spTree>
@@ -2234,7 +3780,7 @@
 </p:sldLayout>
 </file>
 
-<file path=ppt/slideLayouts/slideLayout7.xml><?xml version="1.0" encoding="utf-8"?>
+<file path=ppt/slideLayouts/slideLayout9.xml><?xml version="1.0" encoding="utf-8"?>
 <p:sldLayout xmlns:a="http://schemas.openxmlformats.org/drawingml/2006/main" xmlns:r="http://schemas.openxmlformats.org/officeDocument/2006/relationships" xmlns:p="http://schemas.openxmlformats.org/presentationml/2006/main" preserve="1" userDrawn="1">
   <p:cSld name="标题幻灯片">
     <p:spTree>
@@ -2423,98 +3969,6 @@
     <p:extLst>
       <p:ext uri="{BB962C8B-B14F-4D97-AF65-F5344CB8AC3E}">
         <p14:creationId xmlns:p14="http://schemas.microsoft.com/office/powerpoint/2010/main" val="3370003082"/>
-      </p:ext>
-    </p:extLst>
-  </p:cSld>
-  <p:clrMapOvr>
-    <a:masterClrMapping/>
-  </p:clrMapOvr>
-  <mc:AlternateContent xmlns:mc="http://schemas.openxmlformats.org/markup-compatibility/2006" xmlns:p159="http://schemas.microsoft.com/office/powerpoint/2015/09/main">
-    <mc:Choice Requires="p159">
-      <p:transition xmlns:p14="http://schemas.microsoft.com/office/powerpoint/2010/main" spd="slow" p14:dur="2000">
-        <p159:morph option="byObject"/>
-      </p:transition>
-    </mc:Choice>
-    <mc:Fallback xmlns="">
-      <p:transition spd="slow">
-        <p:fade/>
-      </p:transition>
-    </mc:Fallback>
-  </mc:AlternateContent>
-</p:sldLayout>
-</file>
-
-<file path=ppt/slideLayouts/slideLayout8.xml><?xml version="1.0" encoding="utf-8"?>
-<p:sldLayout xmlns:a="http://schemas.openxmlformats.org/drawingml/2006/main" xmlns:r="http://schemas.openxmlformats.org/officeDocument/2006/relationships" xmlns:p="http://schemas.openxmlformats.org/presentationml/2006/main" preserve="1" userDrawn="1">
-  <p:cSld name="结束页">
-    <p:bg>
-      <p:bgPr>
-        <a:solidFill>
-          <a:srgbClr val="FFFFFF"/>
-        </a:solidFill>
-        <a:effectLst/>
-      </p:bgPr>
-    </p:bg>
-    <p:spTree>
-      <p:nvGrpSpPr>
-        <p:cNvPr id="1" name=""/>
-        <p:cNvGrpSpPr/>
-        <p:nvPr/>
-      </p:nvGrpSpPr>
-      <p:grpSpPr>
-        <a:xfrm>
-          <a:off x="0" y="0"/>
-          <a:ext cx="0" cy="0"/>
-          <a:chOff x="0" y="0"/>
-          <a:chExt cx="0" cy="0"/>
-        </a:xfrm>
-      </p:grpSpPr>
-      <p:sp>
-        <p:nvSpPr>
-          <p:cNvPr id="3" name="TextBox 2">
-            <a:extLst>
-              <a:ext uri="{FF2B5EF4-FFF2-40B4-BE49-F238E27FC236}">
-                <a16:creationId xmlns:a16="http://schemas.microsoft.com/office/drawing/2014/main" id="{C1960DD1-8AC3-8F46-9D2D-BF81187F43FC}"/>
-              </a:ext>
-            </a:extLst>
-          </p:cNvPr>
-          <p:cNvSpPr txBox="1"/>
-          <p:nvPr userDrawn="1"/>
-        </p:nvSpPr>
-        <p:spPr>
-          <a:xfrm>
-            <a:off x="1502228" y="2617826"/>
-            <a:ext cx="5127171" cy="1323439"/>
-          </a:xfrm>
-          <a:prstGeom prst="rect">
-            <a:avLst/>
-          </a:prstGeom>
-          <a:noFill/>
-        </p:spPr>
-        <p:txBody>
-          <a:bodyPr wrap="square" rtlCol="0">
-            <a:spAutoFit/>
-          </a:bodyPr>
-          <a:lstStyle/>
-          <a:p>
-            <a:pPr algn="l"/>
-            <a:r>
-              <a:rPr lang="en-US" sz="8000" dirty="0">
-                <a:solidFill>
-                  <a:srgbClr val="221815"/>
-                </a:solidFill>
-                <a:latin typeface="Futura-Medium" panose="020B0602020204020303" pitchFamily="34" charset="-79"/>
-                <a:cs typeface="Futura-Medium" panose="020B0602020204020303" pitchFamily="34" charset="-79"/>
-              </a:rPr>
-              <a:t>Thank you</a:t>
-            </a:r>
-          </a:p>
-        </p:txBody>
-      </p:sp>
-    </p:spTree>
-    <p:extLst>
-      <p:ext uri="{BB962C8B-B14F-4D97-AF65-F5344CB8AC3E}">
-        <p14:creationId xmlns:p14="http://schemas.microsoft.com/office/powerpoint/2010/main" val="3664786014"/>
       </p:ext>
     </p:extLst>
   </p:cSld>
@@ -2708,7 +4162,7 @@
           <p:nvPr userDrawn="1"/>
         </p:nvPicPr>
         <p:blipFill>
-          <a:blip r:embed="rId3" cstate="print">
+          <a:blip r:embed="rId4" cstate="print">
             <a:alphaModFix amt="70000"/>
             <a:extLst>
               <a:ext uri="{28A0092B-C50C-407E-A947-70E740481C1C}">
@@ -7690,6 +9144,7 @@
   <p:clrMap bg1="lt1" tx1="dk1" bg2="lt2" tx2="dk2" accent1="accent1" accent2="accent2" accent3="accent3" accent4="accent4" accent5="accent5" accent6="accent6" hlink="hlink" folHlink="folHlink"/>
   <p:sldLayoutIdLst>
     <p:sldLayoutId id="2147483970" r:id="rId1"/>
+    <p:sldLayoutId id="2147483981" r:id="rId2"/>
   </p:sldLayoutIdLst>
   <mc:AlternateContent xmlns:mc="http://schemas.openxmlformats.org/markup-compatibility/2006" xmlns:p159="http://schemas.microsoft.com/office/powerpoint/2015/09/main">
     <mc:Choice Requires="p159">
@@ -12985,7 +14440,7 @@
           <p:nvPr userDrawn="1"/>
         </p:nvPicPr>
         <p:blipFill>
-          <a:blip r:embed="rId5" cstate="print">
+          <a:blip r:embed="rId6" cstate="print">
             <a:alphaModFix amt="70000"/>
             <a:extLst>
               <a:ext uri="{28A0092B-C50C-407E-A947-70E740481C1C}">
@@ -13145,6 +14600,7 @@
     <p:sldLayoutId id="2147483906" r:id="rId1"/>
     <p:sldLayoutId id="2147483963" r:id="rId2"/>
     <p:sldLayoutId id="2147483964" r:id="rId3"/>
+    <p:sldLayoutId id="2147483982" r:id="rId4"/>
   </p:sldLayoutIdLst>
   <mc:AlternateContent xmlns:mc="http://schemas.openxmlformats.org/markup-compatibility/2006" xmlns:p159="http://schemas.microsoft.com/office/powerpoint/2015/09/main">
     <mc:Choice Requires="p159">
@@ -30930,36 +32386,6 @@
           <a:chExt cx="0" cy="0"/>
         </a:xfrm>
       </p:grpSpPr>
-      <p:pic>
-        <p:nvPicPr>
-          <p:cNvPr id="3" name="图片 2">
-            <a:extLst>
-              <a:ext uri="{FF2B5EF4-FFF2-40B4-BE49-F238E27FC236}">
-                <a16:creationId xmlns:a16="http://schemas.microsoft.com/office/drawing/2014/main" id="{B5E93E28-0E4E-C1D6-0B6E-5A6B0A90DA07}"/>
-              </a:ext>
-            </a:extLst>
-          </p:cNvPr>
-          <p:cNvPicPr>
-            <a:picLocks noChangeAspect="1"/>
-          </p:cNvPicPr>
-          <p:nvPr/>
-        </p:nvPicPr>
-        <p:blipFill>
-          <a:blip r:embed="rId3"/>
-          <a:stretch>
-            <a:fillRect/>
-          </a:stretch>
-        </p:blipFill>
-        <p:spPr>
-          <a:xfrm>
-            <a:off x="-25824" y="0"/>
-            <a:ext cx="12248410" cy="6858000"/>
-          </a:xfrm>
-          <a:prstGeom prst="rect">
-            <a:avLst/>
-          </a:prstGeom>
-        </p:spPr>
-      </p:pic>
       <p:sp>
         <p:nvSpPr>
           <p:cNvPr id="7" name="矩形 6">
@@ -31246,7 +32672,7 @@
           <p:nvPr/>
         </p:nvPicPr>
         <p:blipFill>
-          <a:blip r:embed="rId4" cstate="print">
+          <a:blip r:embed="rId3" cstate="print">
             <a:extLst>
               <a:ext uri="{28A0092B-C50C-407E-A947-70E740481C1C}">
                 <a14:useLocalDpi xmlns:a14="http://schemas.microsoft.com/office/drawing/2010/main"/>
@@ -31474,23 +32900,26 @@
             <a:r>
               <a:rPr lang="en-US" altLang="zh-CN" sz="8800" dirty="0">
                 <a:solidFill>
-                  <a:schemeClr val="tx2"/>
-                </a:solidFill>
+                  <a:schemeClr val="bg1"/>
+                </a:solidFill>
+                <a:latin typeface="Lexend" pitchFamily="2" charset="0"/>
               </a:rPr>
               <a:t>2015 </a:t>
             </a:r>
             <a:r>
               <a:rPr lang="zh-CN" altLang="en-US" sz="8800" dirty="0">
                 <a:solidFill>
-                  <a:schemeClr val="tx2"/>
-                </a:solidFill>
+                  <a:schemeClr val="bg1"/>
+                </a:solidFill>
+                <a:latin typeface="Lexend" pitchFamily="2" charset="0"/>
               </a:rPr>
               <a:t>年</a:t>
             </a:r>
             <a:endParaRPr lang="en-US" altLang="zh-CN" sz="8800" dirty="0">
               <a:solidFill>
-                <a:schemeClr val="tx2"/>
+                <a:schemeClr val="bg1"/>
               </a:solidFill>
+              <a:latin typeface="Lexend" pitchFamily="2" charset="0"/>
             </a:endParaRPr>
           </a:p>
           <a:p>
@@ -31502,16 +32931,18 @@
             <a:r>
               <a:rPr lang="en-US" altLang="zh-CN" sz="8800" dirty="0">
                 <a:solidFill>
-                  <a:schemeClr val="tx2"/>
-                </a:solidFill>
+                  <a:schemeClr val="bg1"/>
+                </a:solidFill>
+                <a:latin typeface="Lexend" pitchFamily="2" charset="0"/>
               </a:rPr>
               <a:t> AI </a:t>
             </a:r>
             <a:r>
               <a:rPr lang="zh-CN" altLang="en-US" sz="8800" dirty="0">
                 <a:solidFill>
-                  <a:schemeClr val="tx2"/>
-                </a:solidFill>
+                  <a:schemeClr val="bg1"/>
+                </a:solidFill>
+                <a:latin typeface="Lexend" pitchFamily="2" charset="0"/>
               </a:rPr>
               <a:t>重大事件</a:t>
             </a:r>
@@ -31522,6 +32953,831 @@
     <p:extLst>
       <p:ext uri="{BB962C8B-B14F-4D97-AF65-F5344CB8AC3E}">
         <p14:creationId xmlns:p14="http://schemas.microsoft.com/office/powerpoint/2010/main" val="3746352296"/>
+      </p:ext>
+    </p:extLst>
+  </p:cSld>
+  <p:clrMapOvr>
+    <a:masterClrMapping/>
+  </p:clrMapOvr>
+  <mc:AlternateContent xmlns:mc="http://schemas.openxmlformats.org/markup-compatibility/2006" xmlns:p159="http://schemas.microsoft.com/office/powerpoint/2015/09/main">
+    <mc:Choice Requires="p159">
+      <p:transition xmlns:p14="http://schemas.microsoft.com/office/powerpoint/2010/main" spd="slow" p14:dur="2000">
+        <p159:morph option="byObject"/>
+      </p:transition>
+    </mc:Choice>
+    <mc:Fallback xmlns="">
+      <p:transition spd="slow">
+        <p:fade/>
+      </p:transition>
+    </mc:Fallback>
+  </mc:AlternateContent>
+</p:sld>
+</file>
+
+<file path=ppt/slides/slide10.xml><?xml version="1.0" encoding="utf-8"?>
+<p:sld xmlns:a="http://schemas.openxmlformats.org/drawingml/2006/main" xmlns:r="http://schemas.openxmlformats.org/officeDocument/2006/relationships" xmlns:p="http://schemas.openxmlformats.org/presentationml/2006/main">
+  <p:cSld>
+    <p:spTree>
+      <p:nvGrpSpPr>
+        <p:cNvPr id="1" name=""/>
+        <p:cNvGrpSpPr/>
+        <p:nvPr/>
+      </p:nvGrpSpPr>
+      <p:grpSpPr>
+        <a:xfrm>
+          <a:off x="0" y="0"/>
+          <a:ext cx="0" cy="0"/>
+          <a:chOff x="0" y="0"/>
+          <a:chExt cx="0" cy="0"/>
+        </a:xfrm>
+      </p:grpSpPr>
+      <p:sp>
+        <p:nvSpPr>
+          <p:cNvPr id="4" name="标题 3">
+            <a:extLst>
+              <a:ext uri="{FF2B5EF4-FFF2-40B4-BE49-F238E27FC236}">
+                <a16:creationId xmlns:a16="http://schemas.microsoft.com/office/drawing/2014/main" id="{A0CB4268-2D2A-7525-DC66-94C37D1B552A}"/>
+              </a:ext>
+            </a:extLst>
+          </p:cNvPr>
+          <p:cNvSpPr>
+            <a:spLocks noGrp="1"/>
+          </p:cNvSpPr>
+          <p:nvPr>
+            <p:ph type="title"/>
+          </p:nvPr>
+        </p:nvSpPr>
+        <p:spPr>
+          <a:xfrm>
+            <a:off x="623635" y="522789"/>
+            <a:ext cx="10963473" cy="589190"/>
+          </a:xfrm>
+        </p:spPr>
+        <p:txBody>
+          <a:bodyPr/>
+          <a:lstStyle/>
+          <a:p>
+            <a:r>
+              <a:rPr lang="en" altLang="zh-CN" dirty="0"/>
+              <a:t>AI</a:t>
+            </a:r>
+            <a:r>
+              <a:rPr lang="zh-CN" altLang="en-US" dirty="0"/>
+              <a:t>投资与创业热潮</a:t>
+            </a:r>
+          </a:p>
+        </p:txBody>
+      </p:sp>
+      <p:sp>
+        <p:nvSpPr>
+          <p:cNvPr id="5" name="内容占位符 4">
+            <a:extLst>
+              <a:ext uri="{FF2B5EF4-FFF2-40B4-BE49-F238E27FC236}">
+                <a16:creationId xmlns:a16="http://schemas.microsoft.com/office/drawing/2014/main" id="{1A0F7EE1-4C0E-A772-434E-35CFB64DD2A9}"/>
+              </a:ext>
+            </a:extLst>
+          </p:cNvPr>
+          <p:cNvSpPr>
+            <a:spLocks noGrp="1"/>
+          </p:cNvSpPr>
+          <p:nvPr>
+            <p:ph sz="half" idx="1"/>
+          </p:nvPr>
+        </p:nvSpPr>
+        <p:spPr>
+          <a:xfrm>
+            <a:off x="623635" y="1246909"/>
+            <a:ext cx="10963473" cy="5108171"/>
+          </a:xfrm>
+        </p:spPr>
+        <p:txBody>
+          <a:bodyPr/>
+          <a:lstStyle/>
+          <a:p>
+            <a:r>
+              <a:rPr lang="en" altLang="zh-CN" dirty="0"/>
+              <a:t>OpenAI</a:t>
+            </a:r>
+            <a:r>
+              <a:rPr lang="zh-CN" altLang="en-US" dirty="0"/>
+              <a:t>的成立：</a:t>
+            </a:r>
+            <a:endParaRPr lang="en-US" altLang="zh-CN" dirty="0"/>
+          </a:p>
+          <a:p>
+            <a:pPr lvl="1"/>
+            <a:r>
+              <a:rPr lang="en-US" altLang="zh-CN" dirty="0"/>
+              <a:t>2015</a:t>
+            </a:r>
+            <a:r>
+              <a:rPr lang="zh-CN" altLang="en-US" dirty="0"/>
+              <a:t>年</a:t>
+            </a:r>
+            <a:r>
+              <a:rPr lang="en-US" altLang="zh-CN" dirty="0"/>
+              <a:t>12</a:t>
+            </a:r>
+            <a:r>
+              <a:rPr lang="zh-CN" altLang="en-US" dirty="0"/>
+              <a:t>月，特斯拉</a:t>
+            </a:r>
+            <a:r>
+              <a:rPr lang="en" altLang="zh-CN" dirty="0"/>
+              <a:t>CEO</a:t>
+            </a:r>
+            <a:r>
+              <a:rPr lang="zh-CN" altLang="en-US" dirty="0"/>
+              <a:t>伊隆</a:t>
+            </a:r>
+            <a:r>
+              <a:rPr lang="en-US" altLang="zh-CN" dirty="0"/>
+              <a:t>·</a:t>
+            </a:r>
+            <a:r>
+              <a:rPr lang="zh-CN" altLang="en-US" dirty="0"/>
+              <a:t>马斯克、</a:t>
+            </a:r>
+            <a:r>
+              <a:rPr lang="en" altLang="zh-CN" dirty="0"/>
+              <a:t>Y Combinator</a:t>
+            </a:r>
+            <a:r>
+              <a:rPr lang="zh-CN" altLang="en-US" dirty="0"/>
+              <a:t>董事长</a:t>
+            </a:r>
+            <a:r>
+              <a:rPr lang="en" altLang="zh-CN" dirty="0"/>
+              <a:t>Sam Altman</a:t>
+            </a:r>
+            <a:r>
+              <a:rPr lang="zh-CN" altLang="en-US" dirty="0"/>
+              <a:t>等人共同出资</a:t>
+            </a:r>
+            <a:r>
+              <a:rPr lang="en-US" altLang="zh-CN" dirty="0"/>
+              <a:t>10</a:t>
+            </a:r>
+            <a:r>
+              <a:rPr lang="zh-CN" altLang="en-US" dirty="0"/>
+              <a:t>亿美元成立了非营利性</a:t>
+            </a:r>
+            <a:r>
+              <a:rPr lang="en" altLang="zh-CN" dirty="0"/>
+              <a:t>AI</a:t>
+            </a:r>
+            <a:r>
+              <a:rPr lang="zh-CN" altLang="en-US" dirty="0"/>
+              <a:t>研究机构</a:t>
+            </a:r>
+            <a:r>
+              <a:rPr lang="en" altLang="zh-CN" dirty="0"/>
+              <a:t>OpenAI</a:t>
+            </a:r>
+            <a:r>
+              <a:rPr lang="zh-CN" altLang="en" dirty="0"/>
+              <a:t>，</a:t>
+            </a:r>
+            <a:r>
+              <a:rPr lang="zh-CN" altLang="en-US" dirty="0"/>
+              <a:t>旨在推动</a:t>
+            </a:r>
+            <a:r>
+              <a:rPr lang="en" altLang="zh-CN" dirty="0"/>
+              <a:t>AI</a:t>
+            </a:r>
+            <a:r>
+              <a:rPr lang="zh-CN" altLang="en-US" dirty="0"/>
+              <a:t>的安全研究和开发，确保</a:t>
+            </a:r>
+            <a:r>
+              <a:rPr lang="en" altLang="zh-CN" dirty="0"/>
+              <a:t>AI</a:t>
+            </a:r>
+            <a:r>
+              <a:rPr lang="zh-CN" altLang="en-US" dirty="0"/>
+              <a:t>技术对人类有益。</a:t>
+            </a:r>
+          </a:p>
+          <a:p>
+            <a:r>
+              <a:rPr lang="en" altLang="zh-CN" dirty="0"/>
+              <a:t>AI</a:t>
+            </a:r>
+            <a:r>
+              <a:rPr lang="zh-CN" altLang="en-US" dirty="0"/>
+              <a:t>创业公司的崛起：</a:t>
+            </a:r>
+            <a:endParaRPr lang="en-US" altLang="zh-CN" dirty="0"/>
+          </a:p>
+          <a:p>
+            <a:pPr lvl="1"/>
+            <a:r>
+              <a:rPr lang="en-US" altLang="zh-CN" dirty="0"/>
+              <a:t>2015</a:t>
+            </a:r>
+            <a:r>
+              <a:rPr lang="zh-CN" altLang="en-US" dirty="0"/>
+              <a:t>年，全球范围内有超过</a:t>
+            </a:r>
+            <a:r>
+              <a:rPr lang="en-US" altLang="zh-CN" dirty="0"/>
+              <a:t>300</a:t>
+            </a:r>
+            <a:r>
+              <a:rPr lang="zh-CN" altLang="en-US" dirty="0"/>
+              <a:t>笔</a:t>
+            </a:r>
+            <a:r>
+              <a:rPr lang="en" altLang="zh-CN" dirty="0"/>
+              <a:t>AI</a:t>
+            </a:r>
+            <a:r>
+              <a:rPr lang="zh-CN" altLang="en-US" dirty="0"/>
+              <a:t>领域的投资，总估值超过</a:t>
+            </a:r>
+            <a:r>
+              <a:rPr lang="en-US" altLang="zh-CN" dirty="0"/>
+              <a:t>87</a:t>
+            </a:r>
+            <a:r>
+              <a:rPr lang="zh-CN" altLang="en-US" dirty="0"/>
+              <a:t>亿美元。许多初创公司如</a:t>
+            </a:r>
+            <a:r>
+              <a:rPr lang="en" altLang="zh-CN" dirty="0"/>
+              <a:t>Vicarious</a:t>
+            </a:r>
+            <a:r>
+              <a:rPr lang="zh-CN" altLang="en" dirty="0"/>
+              <a:t>、</a:t>
+            </a:r>
+            <a:r>
+              <a:rPr lang="en" altLang="zh-CN" dirty="0"/>
+              <a:t>Deep Genomics</a:t>
+            </a:r>
+            <a:r>
+              <a:rPr lang="zh-CN" altLang="en-US" dirty="0"/>
+              <a:t>等在</a:t>
+            </a:r>
+            <a:r>
+              <a:rPr lang="en" altLang="zh-CN" dirty="0"/>
+              <a:t>AI</a:t>
+            </a:r>
+            <a:r>
+              <a:rPr lang="zh-CN" altLang="en-US" dirty="0"/>
+              <a:t>领域取得了显著进展。</a:t>
+            </a:r>
+          </a:p>
+          <a:p>
+            <a:r>
+              <a:rPr lang="zh-CN" altLang="en-US" dirty="0"/>
+              <a:t>巨头的收购与布局：</a:t>
+            </a:r>
+            <a:endParaRPr lang="en-US" altLang="zh-CN" dirty="0"/>
+          </a:p>
+          <a:p>
+            <a:pPr lvl="1"/>
+            <a:r>
+              <a:rPr lang="zh-CN" altLang="en-US" dirty="0"/>
+              <a:t>谷歌、苹果、</a:t>
+            </a:r>
+            <a:r>
+              <a:rPr lang="en" altLang="zh-CN" dirty="0"/>
+              <a:t>IBM</a:t>
+            </a:r>
+            <a:r>
+              <a:rPr lang="zh-CN" altLang="en-US" dirty="0"/>
+              <a:t>等科技巨头通过收购</a:t>
+            </a:r>
+            <a:r>
+              <a:rPr lang="en" altLang="zh-CN" dirty="0"/>
+              <a:t>AI</a:t>
+            </a:r>
+            <a:r>
+              <a:rPr lang="zh-CN" altLang="en-US" dirty="0"/>
+              <a:t>初创公司（如苹果收购</a:t>
+            </a:r>
+            <a:r>
+              <a:rPr lang="en" altLang="zh-CN" dirty="0" err="1"/>
+              <a:t>VocalIQ</a:t>
+            </a:r>
+            <a:r>
+              <a:rPr lang="zh-CN" altLang="en-US" dirty="0"/>
+              <a:t>和</a:t>
+            </a:r>
+            <a:r>
+              <a:rPr lang="en" altLang="zh-CN" dirty="0" err="1"/>
+              <a:t>Perceptio</a:t>
+            </a:r>
+            <a:r>
+              <a:rPr lang="zh-CN" altLang="en" dirty="0"/>
+              <a:t>）</a:t>
+            </a:r>
+            <a:r>
+              <a:rPr lang="zh-CN" altLang="en-US" dirty="0"/>
+              <a:t>进一步加强了其在</a:t>
+            </a:r>
+            <a:r>
+              <a:rPr lang="en" altLang="zh-CN" dirty="0"/>
+              <a:t>AI</a:t>
+            </a:r>
+            <a:r>
+              <a:rPr lang="zh-CN" altLang="en-US" dirty="0"/>
+              <a:t>领域的技术储备。</a:t>
+            </a:r>
+            <a:endParaRPr lang="en-US" altLang="zh-CN" dirty="0"/>
+          </a:p>
+        </p:txBody>
+      </p:sp>
+      <p:sp>
+        <p:nvSpPr>
+          <p:cNvPr id="3" name="文本框 2">
+            <a:extLst>
+              <a:ext uri="{FF2B5EF4-FFF2-40B4-BE49-F238E27FC236}">
+                <a16:creationId xmlns:a16="http://schemas.microsoft.com/office/drawing/2014/main" id="{C072894F-0149-D498-0C20-5D6AA86042AD}"/>
+              </a:ext>
+            </a:extLst>
+          </p:cNvPr>
+          <p:cNvSpPr txBox="1"/>
+          <p:nvPr/>
+        </p:nvSpPr>
+        <p:spPr>
+          <a:xfrm>
+            <a:off x="2969173" y="1395276"/>
+            <a:ext cx="8271640" cy="276999"/>
+          </a:xfrm>
+          <a:prstGeom prst="rect">
+            <a:avLst/>
+          </a:prstGeom>
+          <a:noFill/>
+        </p:spPr>
+        <p:txBody>
+          <a:bodyPr wrap="square">
+            <a:spAutoFit/>
+          </a:bodyPr>
+          <a:lstStyle/>
+          <a:p>
+            <a:r>
+              <a:rPr lang="zh-CN" altLang="en-US" sz="1200" dirty="0">
+                <a:solidFill>
+                  <a:srgbClr val="0432FF"/>
+                </a:solidFill>
+              </a:rPr>
+              <a:t>https://www.youtube.com/watch?v=yTkZ0waBx7E&amp;pp=ygUbVGhlIGVzdGFibGlzaG1lbnQgb2YgT3BlbkFJ</a:t>
+            </a:r>
+          </a:p>
+        </p:txBody>
+      </p:sp>
+    </p:spTree>
+    <p:extLst>
+      <p:ext uri="{BB962C8B-B14F-4D97-AF65-F5344CB8AC3E}">
+        <p14:creationId xmlns:p14="http://schemas.microsoft.com/office/powerpoint/2010/main" val="2617077103"/>
+      </p:ext>
+    </p:extLst>
+  </p:cSld>
+  <p:clrMapOvr>
+    <a:masterClrMapping/>
+  </p:clrMapOvr>
+  <mc:AlternateContent xmlns:mc="http://schemas.openxmlformats.org/markup-compatibility/2006" xmlns:p159="http://schemas.microsoft.com/office/powerpoint/2015/09/main">
+    <mc:Choice Requires="p159">
+      <p:transition xmlns:p14="http://schemas.microsoft.com/office/powerpoint/2010/main" spd="slow" p14:dur="2000">
+        <p159:morph option="byObject"/>
+      </p:transition>
+    </mc:Choice>
+    <mc:Fallback xmlns="">
+      <p:transition spd="slow">
+        <p:fade/>
+      </p:transition>
+    </mc:Fallback>
+  </mc:AlternateContent>
+</p:sld>
+</file>
+
+<file path=ppt/slides/slide11.xml><?xml version="1.0" encoding="utf-8"?>
+<p:sld xmlns:a="http://schemas.openxmlformats.org/drawingml/2006/main" xmlns:r="http://schemas.openxmlformats.org/officeDocument/2006/relationships" xmlns:p="http://schemas.openxmlformats.org/presentationml/2006/main">
+  <p:cSld>
+    <p:spTree>
+      <p:nvGrpSpPr>
+        <p:cNvPr id="1" name=""/>
+        <p:cNvGrpSpPr/>
+        <p:nvPr/>
+      </p:nvGrpSpPr>
+      <p:grpSpPr>
+        <a:xfrm>
+          <a:off x="0" y="0"/>
+          <a:ext cx="0" cy="0"/>
+          <a:chOff x="0" y="0"/>
+          <a:chExt cx="0" cy="0"/>
+        </a:xfrm>
+      </p:grpSpPr>
+      <p:sp>
+        <p:nvSpPr>
+          <p:cNvPr id="4" name="标题 3">
+            <a:extLst>
+              <a:ext uri="{FF2B5EF4-FFF2-40B4-BE49-F238E27FC236}">
+                <a16:creationId xmlns:a16="http://schemas.microsoft.com/office/drawing/2014/main" id="{A0CB4268-2D2A-7525-DC66-94C37D1B552A}"/>
+              </a:ext>
+            </a:extLst>
+          </p:cNvPr>
+          <p:cNvSpPr>
+            <a:spLocks noGrp="1"/>
+          </p:cNvSpPr>
+          <p:nvPr>
+            <p:ph type="title"/>
+          </p:nvPr>
+        </p:nvSpPr>
+        <p:spPr>
+          <a:xfrm>
+            <a:off x="623635" y="522789"/>
+            <a:ext cx="10963473" cy="589190"/>
+          </a:xfrm>
+        </p:spPr>
+        <p:txBody>
+          <a:bodyPr/>
+          <a:lstStyle/>
+          <a:p>
+            <a:r>
+              <a:rPr lang="en" altLang="zh-CN" dirty="0"/>
+              <a:t>AI</a:t>
+            </a:r>
+            <a:r>
+              <a:rPr lang="zh-CN" altLang="en-US" dirty="0"/>
+              <a:t>投资与创业热潮</a:t>
+            </a:r>
+          </a:p>
+        </p:txBody>
+      </p:sp>
+      <p:sp>
+        <p:nvSpPr>
+          <p:cNvPr id="5" name="内容占位符 4">
+            <a:extLst>
+              <a:ext uri="{FF2B5EF4-FFF2-40B4-BE49-F238E27FC236}">
+                <a16:creationId xmlns:a16="http://schemas.microsoft.com/office/drawing/2014/main" id="{1A0F7EE1-4C0E-A772-434E-35CFB64DD2A9}"/>
+              </a:ext>
+            </a:extLst>
+          </p:cNvPr>
+          <p:cNvSpPr>
+            <a:spLocks noGrp="1"/>
+          </p:cNvSpPr>
+          <p:nvPr>
+            <p:ph sz="half" idx="1"/>
+          </p:nvPr>
+        </p:nvSpPr>
+        <p:spPr>
+          <a:xfrm>
+            <a:off x="623635" y="1246909"/>
+            <a:ext cx="10963473" cy="5108171"/>
+          </a:xfrm>
+        </p:spPr>
+        <p:txBody>
+          <a:bodyPr/>
+          <a:lstStyle/>
+          <a:p>
+            <a:r>
+              <a:rPr lang="zh-CN" altLang="en-US" dirty="0"/>
+              <a:t>技术突破：</a:t>
+            </a:r>
+            <a:endParaRPr lang="en-US" altLang="zh-CN" dirty="0"/>
+          </a:p>
+          <a:p>
+            <a:pPr lvl="1"/>
+            <a:r>
+              <a:rPr lang="en" altLang="zh-CN" dirty="0"/>
+              <a:t>AI</a:t>
+            </a:r>
+            <a:r>
+              <a:rPr lang="zh-CN" altLang="en-US" dirty="0"/>
+              <a:t>四小龙以计算机视觉（</a:t>
+            </a:r>
+            <a:r>
+              <a:rPr lang="en" altLang="zh-CN" dirty="0"/>
+              <a:t>CV</a:t>
+            </a:r>
+            <a:r>
+              <a:rPr lang="zh-CN" altLang="en" dirty="0"/>
+              <a:t>）</a:t>
+            </a:r>
+            <a:r>
+              <a:rPr lang="zh-CN" altLang="en-US" dirty="0"/>
+              <a:t>技术为核心，迅速崛起。商汤科技凭借深度学习算法在图像识别领域取得领先地位，旷视科技的人脸识别技术广泛应用于安防和金融领域，云从科技在金融和安防领域落地，依图科技则在医疗影像和安防领域表现出色。</a:t>
+            </a:r>
+          </a:p>
+        </p:txBody>
+      </p:sp>
+      <p:sp>
+        <p:nvSpPr>
+          <p:cNvPr id="3" name="文本框 2">
+            <a:extLst>
+              <a:ext uri="{FF2B5EF4-FFF2-40B4-BE49-F238E27FC236}">
+                <a16:creationId xmlns:a16="http://schemas.microsoft.com/office/drawing/2014/main" id="{8A632591-DDC3-C537-C916-515B926B666D}"/>
+              </a:ext>
+            </a:extLst>
+          </p:cNvPr>
+          <p:cNvSpPr txBox="1"/>
+          <p:nvPr/>
+        </p:nvSpPr>
+        <p:spPr>
+          <a:xfrm>
+            <a:off x="2412124" y="1416296"/>
+            <a:ext cx="8271640" cy="276999"/>
+          </a:xfrm>
+          <a:prstGeom prst="rect">
+            <a:avLst/>
+          </a:prstGeom>
+          <a:noFill/>
+        </p:spPr>
+        <p:txBody>
+          <a:bodyPr wrap="square">
+            <a:spAutoFit/>
+          </a:bodyPr>
+          <a:lstStyle/>
+          <a:p>
+            <a:r>
+              <a:rPr lang="zh-CN" altLang="en-US" sz="1200" dirty="0">
+                <a:solidFill>
+                  <a:srgbClr val="0432FF"/>
+                </a:solidFill>
+              </a:rPr>
+              <a:t>https://www.youtube.com/watch?v=oSM0zHdAuc4&amp;pp=ygUM5ZWG5rGk56eR5oqA</a:t>
+            </a:r>
+          </a:p>
+        </p:txBody>
+      </p:sp>
+    </p:spTree>
+    <p:extLst>
+      <p:ext uri="{BB962C8B-B14F-4D97-AF65-F5344CB8AC3E}">
+        <p14:creationId xmlns:p14="http://schemas.microsoft.com/office/powerpoint/2010/main" val="334438590"/>
+      </p:ext>
+    </p:extLst>
+  </p:cSld>
+  <p:clrMapOvr>
+    <a:masterClrMapping/>
+  </p:clrMapOvr>
+  <mc:AlternateContent xmlns:mc="http://schemas.openxmlformats.org/markup-compatibility/2006" xmlns:p159="http://schemas.microsoft.com/office/powerpoint/2015/09/main">
+    <mc:Choice Requires="p159">
+      <p:transition xmlns:p14="http://schemas.microsoft.com/office/powerpoint/2010/main" spd="slow" p14:dur="2000">
+        <p159:morph option="byObject"/>
+      </p:transition>
+    </mc:Choice>
+    <mc:Fallback xmlns="">
+      <p:transition spd="slow">
+        <p:fade/>
+      </p:transition>
+    </mc:Fallback>
+  </mc:AlternateContent>
+</p:sld>
+</file>
+
+<file path=ppt/slides/slide12.xml><?xml version="1.0" encoding="utf-8"?>
+<p:sld xmlns:a="http://schemas.openxmlformats.org/drawingml/2006/main" xmlns:r="http://schemas.openxmlformats.org/officeDocument/2006/relationships" xmlns:p="http://schemas.openxmlformats.org/presentationml/2006/main">
+  <p:cSld>
+    <p:spTree>
+      <p:nvGrpSpPr>
+        <p:cNvPr id="1" name=""/>
+        <p:cNvGrpSpPr/>
+        <p:nvPr/>
+      </p:nvGrpSpPr>
+      <p:grpSpPr>
+        <a:xfrm>
+          <a:off x="0" y="0"/>
+          <a:ext cx="0" cy="0"/>
+          <a:chOff x="0" y="0"/>
+          <a:chExt cx="0" cy="0"/>
+        </a:xfrm>
+      </p:grpSpPr>
+      <p:sp>
+        <p:nvSpPr>
+          <p:cNvPr id="5" name="内容占位符 4">
+            <a:extLst>
+              <a:ext uri="{FF2B5EF4-FFF2-40B4-BE49-F238E27FC236}">
+                <a16:creationId xmlns:a16="http://schemas.microsoft.com/office/drawing/2014/main" id="{D04938AF-B47A-1764-AB7F-5185CDB78730}"/>
+              </a:ext>
+            </a:extLst>
+          </p:cNvPr>
+          <p:cNvSpPr>
+            <a:spLocks noGrp="1"/>
+          </p:cNvSpPr>
+          <p:nvPr>
+            <p:ph sz="half" idx="1"/>
+          </p:nvPr>
+        </p:nvSpPr>
+        <p:spPr>
+          <a:xfrm>
+            <a:off x="481757" y="2406869"/>
+            <a:ext cx="11161240" cy="3603651"/>
+          </a:xfrm>
+        </p:spPr>
+        <p:txBody>
+          <a:bodyPr>
+            <a:normAutofit/>
+          </a:bodyPr>
+          <a:lstStyle/>
+          <a:p>
+            <a:pPr algn="ctr" rtl="0">
+              <a:spcBef>
+                <a:spcPts val="1800"/>
+              </a:spcBef>
+              <a:spcAft>
+                <a:spcPts val="600"/>
+              </a:spcAft>
+            </a:pPr>
+            <a:r>
+              <a:rPr lang="zh-CN" altLang="en-US" dirty="0"/>
+              <a:t>总结</a:t>
+            </a:r>
+            <a:endParaRPr lang="en-US" altLang="zh-CN" dirty="0">
+              <a:latin typeface="Lexend" pitchFamily="2" charset="0"/>
+              <a:ea typeface="+mj-ea"/>
+            </a:endParaRPr>
+          </a:p>
+        </p:txBody>
+      </p:sp>
+    </p:spTree>
+    <p:extLst>
+      <p:ext uri="{BB962C8B-B14F-4D97-AF65-F5344CB8AC3E}">
+        <p14:creationId xmlns:p14="http://schemas.microsoft.com/office/powerpoint/2010/main" val="440720081"/>
+      </p:ext>
+    </p:extLst>
+  </p:cSld>
+  <p:clrMapOvr>
+    <a:masterClrMapping/>
+  </p:clrMapOvr>
+</p:sld>
+</file>
+
+<file path=ppt/slides/slide13.xml><?xml version="1.0" encoding="utf-8"?>
+<p:sld xmlns:a="http://schemas.openxmlformats.org/drawingml/2006/main" xmlns:r="http://schemas.openxmlformats.org/officeDocument/2006/relationships" xmlns:p="http://schemas.openxmlformats.org/presentationml/2006/main">
+  <p:cSld>
+    <p:spTree>
+      <p:nvGrpSpPr>
+        <p:cNvPr id="1" name=""/>
+        <p:cNvGrpSpPr/>
+        <p:nvPr/>
+      </p:nvGrpSpPr>
+      <p:grpSpPr>
+        <a:xfrm>
+          <a:off x="0" y="0"/>
+          <a:ext cx="0" cy="0"/>
+          <a:chOff x="0" y="0"/>
+          <a:chExt cx="0" cy="0"/>
+        </a:xfrm>
+      </p:grpSpPr>
+      <p:sp>
+        <p:nvSpPr>
+          <p:cNvPr id="4" name="标题 3">
+            <a:extLst>
+              <a:ext uri="{FF2B5EF4-FFF2-40B4-BE49-F238E27FC236}">
+                <a16:creationId xmlns:a16="http://schemas.microsoft.com/office/drawing/2014/main" id="{FF73186F-EDD3-89C1-9476-2A0A77B306A2}"/>
+              </a:ext>
+            </a:extLst>
+          </p:cNvPr>
+          <p:cNvSpPr>
+            <a:spLocks noGrp="1"/>
+          </p:cNvSpPr>
+          <p:nvPr>
+            <p:ph type="title"/>
+          </p:nvPr>
+        </p:nvSpPr>
+        <p:spPr>
+          <a:xfrm>
+            <a:off x="623635" y="522789"/>
+            <a:ext cx="10963473" cy="589190"/>
+          </a:xfrm>
+        </p:spPr>
+        <p:txBody>
+          <a:bodyPr/>
+          <a:lstStyle/>
+          <a:p>
+            <a:r>
+              <a:rPr lang="zh-CN" altLang="en-US" dirty="0"/>
+              <a:t>总结</a:t>
+            </a:r>
+          </a:p>
+        </p:txBody>
+      </p:sp>
+      <p:sp>
+        <p:nvSpPr>
+          <p:cNvPr id="5" name="内容占位符 4">
+            <a:extLst>
+              <a:ext uri="{FF2B5EF4-FFF2-40B4-BE49-F238E27FC236}">
+                <a16:creationId xmlns:a16="http://schemas.microsoft.com/office/drawing/2014/main" id="{0898AF5A-0B63-3D29-441D-41D1895AC819}"/>
+              </a:ext>
+            </a:extLst>
+          </p:cNvPr>
+          <p:cNvSpPr>
+            <a:spLocks noGrp="1"/>
+          </p:cNvSpPr>
+          <p:nvPr>
+            <p:ph sz="half" idx="1"/>
+          </p:nvPr>
+        </p:nvSpPr>
+        <p:spPr>
+          <a:xfrm>
+            <a:off x="623635" y="1246909"/>
+            <a:ext cx="10963473" cy="5108171"/>
+          </a:xfrm>
+        </p:spPr>
+        <p:txBody>
+          <a:bodyPr/>
+          <a:lstStyle/>
+          <a:p>
+            <a:r>
+              <a:rPr lang="en-US" altLang="zh-CN" dirty="0"/>
+              <a:t>2015</a:t>
+            </a:r>
+            <a:r>
+              <a:rPr lang="zh-CN" altLang="en-US" dirty="0"/>
+              <a:t>年是</a:t>
+            </a:r>
+            <a:r>
+              <a:rPr lang="en" altLang="zh-CN" dirty="0"/>
+              <a:t>AI</a:t>
+            </a:r>
+            <a:r>
+              <a:rPr lang="zh-CN" altLang="en-US" dirty="0"/>
+              <a:t>技术从实验室走向商业化的重要一年，深度学习、开源工具、伦理讨论和产品创新成为这一年的关键词。这些事件不仅推动了</a:t>
+            </a:r>
+            <a:r>
+              <a:rPr lang="en" altLang="zh-CN" dirty="0"/>
+              <a:t>AI</a:t>
+            </a:r>
+            <a:r>
+              <a:rPr lang="zh-CN" altLang="en-US" dirty="0"/>
+              <a:t>技术的快速发展，也为后续的</a:t>
+            </a:r>
+            <a:r>
+              <a:rPr lang="en" altLang="zh-CN" dirty="0"/>
+              <a:t>AI</a:t>
+            </a:r>
+            <a:r>
+              <a:rPr lang="zh-CN" altLang="en-US" dirty="0"/>
+              <a:t>革命奠定了基础。如需了解更多细节。 </a:t>
+            </a:r>
+            <a:r>
+              <a:rPr lang="en-US" altLang="zh-CN" dirty="0"/>
+              <a:t>2015</a:t>
+            </a:r>
+            <a:r>
+              <a:rPr lang="zh-CN" altLang="en-US" dirty="0"/>
+              <a:t>年的人工智能研究不仅在技术上取得了重大突破，还在产业应用和学术研究方面展现了巨大的潜力，为后续的发展奠定了坚实的基础。</a:t>
+            </a:r>
+            <a:br>
+              <a:rPr lang="zh-CN" altLang="en-US" dirty="0"/>
+            </a:br>
+            <a:endParaRPr lang="zh-CN" altLang="en-US" dirty="0"/>
+          </a:p>
+          <a:p>
+            <a:endParaRPr lang="zh-CN" altLang="en-US" dirty="0"/>
+          </a:p>
+        </p:txBody>
+      </p:sp>
+    </p:spTree>
+    <p:extLst>
+      <p:ext uri="{BB962C8B-B14F-4D97-AF65-F5344CB8AC3E}">
+        <p14:creationId xmlns:p14="http://schemas.microsoft.com/office/powerpoint/2010/main" val="3738073308"/>
+      </p:ext>
+    </p:extLst>
+  </p:cSld>
+  <p:clrMapOvr>
+    <a:masterClrMapping/>
+  </p:clrMapOvr>
+  <mc:AlternateContent xmlns:mc="http://schemas.openxmlformats.org/markup-compatibility/2006" xmlns:p159="http://schemas.microsoft.com/office/powerpoint/2015/09/main">
+    <mc:Choice Requires="p159">
+      <p:transition xmlns:p14="http://schemas.microsoft.com/office/powerpoint/2010/main" spd="slow" p14:dur="2000">
+        <p159:morph option="byObject"/>
+      </p:transition>
+    </mc:Choice>
+    <mc:Fallback xmlns="">
+      <p:transition spd="slow">
+        <p:fade/>
+      </p:transition>
+    </mc:Fallback>
+  </mc:AlternateContent>
+</p:sld>
+</file>
+
+<file path=ppt/slides/slide14.xml><?xml version="1.0" encoding="utf-8"?>
+<p:sld xmlns:a="http://schemas.openxmlformats.org/drawingml/2006/main" xmlns:r="http://schemas.openxmlformats.org/officeDocument/2006/relationships" xmlns:p="http://schemas.openxmlformats.org/presentationml/2006/main">
+  <p:cSld>
+    <p:spTree>
+      <p:nvGrpSpPr>
+        <p:cNvPr id="1" name=""/>
+        <p:cNvGrpSpPr/>
+        <p:nvPr/>
+      </p:nvGrpSpPr>
+      <p:grpSpPr>
+        <a:xfrm>
+          <a:off x="0" y="0"/>
+          <a:ext cx="0" cy="0"/>
+          <a:chOff x="0" y="0"/>
+          <a:chExt cx="0" cy="0"/>
+        </a:xfrm>
+      </p:grpSpPr>
+    </p:spTree>
+    <p:extLst>
+      <p:ext uri="{BB962C8B-B14F-4D97-AF65-F5344CB8AC3E}">
+        <p14:creationId xmlns:p14="http://schemas.microsoft.com/office/powerpoint/2010/main" val="996880118"/>
       </p:ext>
     </p:extLst>
   </p:cSld>
@@ -31562,43 +33818,79 @@
       </p:grpSpPr>
       <p:sp>
         <p:nvSpPr>
-          <p:cNvPr id="3" name="标题 2">
+          <p:cNvPr id="4" name="文本框 3">
             <a:extLst>
               <a:ext uri="{FF2B5EF4-FFF2-40B4-BE49-F238E27FC236}">
-                <a16:creationId xmlns:a16="http://schemas.microsoft.com/office/drawing/2014/main" id="{69AEA055-67C8-0AFC-274E-C1C28266C7FF}"/>
+                <a16:creationId xmlns:a16="http://schemas.microsoft.com/office/drawing/2014/main" id="{11B95A44-CCF2-9448-AD90-014C7B1CC7EC}"/>
               </a:ext>
             </a:extLst>
           </p:cNvPr>
-          <p:cNvSpPr>
-            <a:spLocks noGrp="1"/>
-          </p:cNvSpPr>
-          <p:nvPr>
-            <p:ph type="title"/>
-          </p:nvPr>
+          <p:cNvSpPr txBox="1"/>
+          <p:nvPr/>
         </p:nvSpPr>
         <p:spPr>
           <a:xfrm>
-            <a:off x="623635" y="522789"/>
-            <a:ext cx="10963473" cy="589190"/>
+            <a:off x="4931236" y="1046095"/>
+            <a:ext cx="2334293" cy="2646878"/>
           </a:xfrm>
+          <a:prstGeom prst="rect">
+            <a:avLst/>
+          </a:prstGeom>
+          <a:noFill/>
         </p:spPr>
         <p:txBody>
-          <a:bodyPr/>
+          <a:bodyPr wrap="none" rtlCol="0">
+            <a:spAutoFit/>
+          </a:bodyPr>
           <a:lstStyle/>
           <a:p>
-            <a:r>
-              <a:rPr lang="zh-CN" altLang="en-US" dirty="0"/>
-              <a:t>深度学习与开源热潮</a:t>
-            </a:r>
+            <a:pPr algn="ctr"/>
+            <a:r>
+              <a:rPr kumimoji="1" lang="en-US" altLang="zh-CN" sz="16600" b="1" dirty="0">
+                <a:gradFill>
+                  <a:gsLst>
+                    <a:gs pos="4000">
+                      <a:srgbClr val="126FFC"/>
+                    </a:gs>
+                    <a:gs pos="73000">
+                      <a:srgbClr val="126FFC">
+                        <a:alpha val="0"/>
+                      </a:srgbClr>
+                    </a:gs>
+                  </a:gsLst>
+                  <a:lin ang="5400000" scaled="1"/>
+                </a:gradFill>
+                <a:latin typeface="PingFang SC Semibold" panose="020B0400000000000000" pitchFamily="34" charset="-122"/>
+                <a:ea typeface="PingFang SC Semibold" panose="020B0400000000000000" pitchFamily="34" charset="-122"/>
+              </a:rPr>
+              <a:t>01</a:t>
+            </a:r>
+            <a:endParaRPr kumimoji="1" lang="zh-CN" altLang="en-US" sz="16600" b="1" dirty="0">
+              <a:gradFill>
+                <a:gsLst>
+                  <a:gs pos="4000">
+                    <a:srgbClr val="126FFC"/>
+                  </a:gs>
+                  <a:gs pos="73000">
+                    <a:srgbClr val="126FFC">
+                      <a:alpha val="0"/>
+                    </a:srgbClr>
+                  </a:gs>
+                </a:gsLst>
+                <a:lin ang="5400000" scaled="1"/>
+              </a:gradFill>
+              <a:latin typeface="PingFang SC Semibold" panose="020B0400000000000000" pitchFamily="34" charset="-122"/>
+              <a:ea typeface="PingFang SC Semibold" panose="020B0400000000000000" pitchFamily="34" charset="-122"/>
+            </a:endParaRPr>
           </a:p>
         </p:txBody>
       </p:sp>
       <p:sp>
         <p:nvSpPr>
-          <p:cNvPr id="4" name="内容占位符 3">
+          <p:cNvPr id="5" name="内容占位符 4">
             <a:extLst>
               <a:ext uri="{FF2B5EF4-FFF2-40B4-BE49-F238E27FC236}">
-                <a16:creationId xmlns:a16="http://schemas.microsoft.com/office/drawing/2014/main" id="{7A72B731-5E75-DC61-AAB4-49D785AA4103}"/>
+                <a16:creationId xmlns:a16="http://schemas.microsoft.com/office/drawing/2014/main" id="{D04938AF-B47A-1764-AB7F-5185CDB78730}"/>
               </a:ext>
             </a:extLst>
           </p:cNvPr>
@@ -31611,235 +33903,45 @@
         </p:nvSpPr>
         <p:spPr>
           <a:xfrm>
-            <a:off x="623635" y="1246909"/>
-            <a:ext cx="10963473" cy="5108171"/>
+            <a:off x="481757" y="2406869"/>
+            <a:ext cx="11161240" cy="3603651"/>
           </a:xfrm>
         </p:spPr>
         <p:txBody>
-          <a:bodyPr/>
+          <a:bodyPr>
+            <a:normAutofit/>
+          </a:bodyPr>
           <a:lstStyle/>
           <a:p>
+            <a:pPr algn="ctr" rtl="0">
+              <a:spcBef>
+                <a:spcPts val="1800"/>
+              </a:spcBef>
+              <a:spcAft>
+                <a:spcPts val="600"/>
+              </a:spcAft>
+            </a:pPr>
             <a:r>
               <a:rPr lang="zh-CN" altLang="en-US" dirty="0"/>
-              <a:t>谷歌开源</a:t>
-            </a:r>
-            <a:r>
-              <a:rPr lang="en" altLang="zh-CN" dirty="0"/>
-              <a:t>TensorFlow</a:t>
-            </a:r>
-            <a:r>
-              <a:rPr lang="zh-CN" altLang="en" dirty="0"/>
-              <a:t>：</a:t>
-            </a:r>
-            <a:endParaRPr lang="en-US" altLang="zh-CN" dirty="0"/>
-          </a:p>
-          <a:p>
-            <a:pPr lvl="1"/>
-            <a:r>
-              <a:rPr lang="en" altLang="zh-CN" dirty="0"/>
-              <a:t>2015</a:t>
-            </a:r>
-            <a:r>
-              <a:rPr lang="zh-CN" altLang="en-US" dirty="0"/>
-              <a:t>年</a:t>
-            </a:r>
-            <a:r>
-              <a:rPr lang="en-US" altLang="zh-CN" dirty="0"/>
-              <a:t>11</a:t>
-            </a:r>
-            <a:r>
-              <a:rPr lang="zh-CN" altLang="en-US" dirty="0"/>
-              <a:t>月，谷歌开源了其第二代机器学习平台</a:t>
-            </a:r>
-            <a:r>
-              <a:rPr lang="en" altLang="zh-CN" dirty="0"/>
-              <a:t>TensorFlow</a:t>
-            </a:r>
-            <a:r>
-              <a:rPr lang="zh-CN" altLang="en" dirty="0"/>
-              <a:t>，</a:t>
-            </a:r>
-            <a:r>
-              <a:rPr lang="zh-CN" altLang="en-US" dirty="0"/>
-              <a:t>这是一个基于深度学习的框架，旨在为开发者提供强大的工具来构建和训练神经网络。</a:t>
-            </a:r>
-            <a:r>
-              <a:rPr lang="en" altLang="zh-CN" dirty="0"/>
-              <a:t>TensorFlow</a:t>
-            </a:r>
-            <a:r>
-              <a:rPr lang="zh-CN" altLang="en-US" dirty="0"/>
-              <a:t>的开源迅速成为</a:t>
-            </a:r>
-            <a:r>
-              <a:rPr lang="en" altLang="zh-CN" dirty="0"/>
-              <a:t>AI</a:t>
-            </a:r>
-            <a:r>
-              <a:rPr lang="zh-CN" altLang="en-US" dirty="0"/>
-              <a:t>研究和应用的核心工具，推动了全球</a:t>
-            </a:r>
-            <a:r>
-              <a:rPr lang="en" altLang="zh-CN" dirty="0"/>
-              <a:t>AI</a:t>
-            </a:r>
-            <a:r>
-              <a:rPr lang="zh-CN" altLang="en-US" dirty="0"/>
-              <a:t>技术的发展</a:t>
-            </a:r>
-            <a:r>
-              <a:rPr lang="en-US" altLang="zh-CN" dirty="0"/>
-              <a:t>13</a:t>
-            </a:r>
-            <a:r>
-              <a:rPr lang="zh-CN" altLang="en-US" dirty="0"/>
-              <a:t>。</a:t>
-            </a:r>
-            <a:r>
-              <a:rPr lang="en" altLang="zh-CN" dirty="0"/>
-              <a:t>TensorFlow</a:t>
-            </a:r>
-            <a:r>
-              <a:rPr lang="zh-CN" altLang="en-US" dirty="0"/>
-              <a:t>发布：谷歌开源了</a:t>
-            </a:r>
-            <a:r>
-              <a:rPr lang="en" altLang="zh-CN" dirty="0"/>
-              <a:t>TensorFlow</a:t>
-            </a:r>
-            <a:r>
-              <a:rPr lang="zh-CN" altLang="en-US" dirty="0"/>
-              <a:t>框架，成为</a:t>
-            </a:r>
-            <a:r>
-              <a:rPr lang="en" altLang="zh-CN" dirty="0"/>
-              <a:t>AI</a:t>
-            </a:r>
-            <a:r>
-              <a:rPr lang="zh-CN" altLang="en-US" dirty="0"/>
-              <a:t>领域的里程碑事件，推动了深度学习技术的普及</a:t>
-            </a:r>
-          </a:p>
-          <a:p>
-            <a:r>
-              <a:rPr lang="en" altLang="zh-CN" dirty="0"/>
-              <a:t>Facebook</a:t>
-            </a:r>
-            <a:r>
-              <a:rPr lang="zh-CN" altLang="en-US" dirty="0"/>
-              <a:t>的开源贡献：</a:t>
-            </a:r>
-            <a:endParaRPr lang="en-US" altLang="zh-CN" dirty="0"/>
-          </a:p>
-          <a:p>
-            <a:pPr lvl="1"/>
-            <a:r>
-              <a:rPr lang="en" altLang="zh-CN" dirty="0"/>
-              <a:t>Facebook</a:t>
-            </a:r>
-            <a:r>
-              <a:rPr lang="zh-CN" altLang="en-US" dirty="0"/>
-              <a:t>在</a:t>
-            </a:r>
-            <a:r>
-              <a:rPr lang="en-US" altLang="zh-CN" dirty="0"/>
-              <a:t>2015</a:t>
-            </a:r>
-            <a:r>
-              <a:rPr lang="zh-CN" altLang="en-US" dirty="0"/>
-              <a:t>年也开源了其深度学习工具，包括基于</a:t>
-            </a:r>
-            <a:r>
-              <a:rPr lang="en" altLang="zh-CN" dirty="0"/>
-              <a:t>Torch</a:t>
-            </a:r>
-            <a:r>
-              <a:rPr lang="zh-CN" altLang="en-US" dirty="0"/>
-              <a:t>的神经网络库和专为深度学习设计的硬件服务器“</a:t>
-            </a:r>
-            <a:r>
-              <a:rPr lang="en" altLang="zh-CN" dirty="0"/>
-              <a:t>Big Sur”13</a:t>
-            </a:r>
-            <a:r>
-              <a:rPr lang="zh-CN" altLang="en" dirty="0"/>
-              <a:t>。</a:t>
-            </a:r>
-          </a:p>
-          <a:p>
-            <a:r>
-              <a:rPr lang="zh-CN" altLang="en-US" dirty="0"/>
-              <a:t>其他巨头的开源行动：</a:t>
-            </a:r>
-            <a:endParaRPr lang="en-US" altLang="zh-CN" dirty="0"/>
-          </a:p>
-          <a:p>
-            <a:pPr lvl="1"/>
-            <a:r>
-              <a:rPr lang="zh-CN" altLang="en-US" dirty="0"/>
-              <a:t>微软开源了分布式机器学习工具包（</a:t>
-            </a:r>
-            <a:r>
-              <a:rPr lang="en" altLang="zh-CN" dirty="0"/>
-              <a:t>DMTK</a:t>
-            </a:r>
-            <a:r>
-              <a:rPr lang="zh-CN" altLang="en" dirty="0"/>
-              <a:t>），</a:t>
-            </a:r>
-            <a:r>
-              <a:rPr lang="en" altLang="zh-CN" dirty="0"/>
-              <a:t>IBM</a:t>
-            </a:r>
-            <a:r>
-              <a:rPr lang="zh-CN" altLang="en-US" dirty="0"/>
-              <a:t>开源了其机器学习平台</a:t>
-            </a:r>
-            <a:r>
-              <a:rPr lang="en" altLang="zh-CN" dirty="0" err="1"/>
-              <a:t>SystemML</a:t>
-            </a:r>
-            <a:r>
-              <a:rPr lang="zh-CN" altLang="en" dirty="0"/>
-              <a:t>，</a:t>
-            </a:r>
-            <a:r>
-              <a:rPr lang="zh-CN" altLang="en-US" dirty="0"/>
-              <a:t>进一步推动了</a:t>
-            </a:r>
-            <a:r>
-              <a:rPr lang="en" altLang="zh-CN" dirty="0"/>
-              <a:t>AI</a:t>
-            </a:r>
-            <a:r>
-              <a:rPr lang="zh-CN" altLang="en-US" dirty="0"/>
-              <a:t>技术的普及</a:t>
-            </a:r>
+              <a:t>模型算法</a:t>
+            </a:r>
+            <a:endParaRPr lang="en-US" altLang="zh-CN" dirty="0">
+              <a:latin typeface="Lexend" pitchFamily="2" charset="0"/>
+              <a:ea typeface="+mj-ea"/>
+            </a:endParaRPr>
           </a:p>
         </p:txBody>
       </p:sp>
     </p:spTree>
     <p:extLst>
       <p:ext uri="{BB962C8B-B14F-4D97-AF65-F5344CB8AC3E}">
-        <p14:creationId xmlns:p14="http://schemas.microsoft.com/office/powerpoint/2010/main" val="358487902"/>
+        <p14:creationId xmlns:p14="http://schemas.microsoft.com/office/powerpoint/2010/main" val="3380633995"/>
       </p:ext>
     </p:extLst>
   </p:cSld>
   <p:clrMapOvr>
     <a:masterClrMapping/>
   </p:clrMapOvr>
-  <mc:AlternateContent xmlns:mc="http://schemas.openxmlformats.org/markup-compatibility/2006" xmlns:p159="http://schemas.microsoft.com/office/powerpoint/2015/09/main">
-    <mc:Choice Requires="p159">
-      <p:transition xmlns:p14="http://schemas.microsoft.com/office/powerpoint/2010/main" spd="slow" p14:dur="2000">
-        <p159:morph option="byObject"/>
-      </p:transition>
-    </mc:Choice>
-    <mc:Fallback xmlns="">
-      <p:transition spd="slow">
-        <p:fade/>
-      </p:transition>
-    </mc:Fallback>
-  </mc:AlternateContent>
 </p:sld>
 </file>
 
@@ -31935,6 +34037,10 @@
               <a:rPr lang="zh-CN" altLang="en" dirty="0"/>
               <a:t>：</a:t>
             </a:r>
+            <a:endParaRPr lang="en-US" altLang="zh-CN" dirty="0"/>
+          </a:p>
+          <a:p>
+            <a:pPr lvl="1"/>
             <a:r>
               <a:rPr lang="en" altLang="zh-CN" dirty="0"/>
               <a:t>DeepMind</a:t>
@@ -31965,7 +34071,7 @@
             </a:r>
             <a:r>
               <a:rPr lang="zh-CN" altLang="en-US" dirty="0"/>
-              <a:t>的研究成果。他们通过卷积神经网络（</a:t>
+              <a:t>的研究成果。通过卷积神经网络（</a:t>
             </a:r>
             <a:r>
               <a:rPr lang="en" altLang="zh-CN" dirty="0"/>
@@ -31993,7 +34099,7 @@
             </a:r>
             <a:r>
               <a:rPr lang="zh-CN" altLang="en-US" dirty="0"/>
-              <a:t>能够直接从高维视觉输入（如游戏画面的像素）中学习控制策略，并在多个雅达利</a:t>
+              <a:t>能够直接从高维视觉输入（游戏画面的像素）中学习控制策略，并在多个雅达利</a:t>
             </a:r>
             <a:r>
               <a:rPr lang="en-US" altLang="zh-CN" dirty="0"/>
@@ -32009,6 +34115,10 @@
               <a:rPr lang="zh-CN" altLang="en-US" dirty="0"/>
               <a:t>多任务强化学习：</a:t>
             </a:r>
+            <a:endParaRPr lang="en-US" altLang="zh-CN" dirty="0"/>
+          </a:p>
+          <a:p>
+            <a:pPr lvl="1"/>
             <a:r>
               <a:rPr lang="en" altLang="zh-CN" dirty="0"/>
               <a:t>DeepMind</a:t>
@@ -32027,37 +34137,46 @@
             </a:r>
             <a:r>
               <a:rPr lang="zh-CN" altLang="en-US" dirty="0"/>
-              <a:t>开发了一个能够同时学习多个游戏的系统，展示了深度多任务强化学习和迁移学习的能力</a:t>
+              <a:t>开发了一个能够同时学习多个游戏的系统，展示了深度多任务强化学习和迁移学习的能力。</a:t>
             </a:r>
           </a:p>
+        </p:txBody>
+      </p:sp>
+      <p:sp>
+        <p:nvSpPr>
+          <p:cNvPr id="3" name="文本框 2">
+            <a:extLst>
+              <a:ext uri="{FF2B5EF4-FFF2-40B4-BE49-F238E27FC236}">
+                <a16:creationId xmlns:a16="http://schemas.microsoft.com/office/drawing/2014/main" id="{A07E6DA0-68F0-1E2F-3814-846BC930A734}"/>
+              </a:ext>
+            </a:extLst>
+          </p:cNvPr>
+          <p:cNvSpPr txBox="1"/>
+          <p:nvPr/>
+        </p:nvSpPr>
+        <p:spPr>
+          <a:xfrm>
+            <a:off x="3315468" y="1437317"/>
+            <a:ext cx="8271640" cy="276999"/>
+          </a:xfrm>
+          <a:prstGeom prst="rect">
+            <a:avLst/>
+          </a:prstGeom>
+          <a:noFill/>
+        </p:spPr>
+        <p:txBody>
+          <a:bodyPr wrap="square">
+            <a:spAutoFit/>
+          </a:bodyPr>
+          <a:lstStyle/>
           <a:p>
             <a:r>
-              <a:rPr lang="zh-CN" altLang="en-US" dirty="0"/>
-              <a:t>围棋</a:t>
-            </a:r>
-            <a:r>
-              <a:rPr lang="en" altLang="zh-CN" dirty="0"/>
-              <a:t>AI</a:t>
-            </a:r>
-            <a:r>
-              <a:rPr lang="zh-CN" altLang="en-US" dirty="0"/>
-              <a:t>的进展：</a:t>
-            </a:r>
-            <a:r>
-              <a:rPr lang="en" altLang="zh-CN" dirty="0"/>
-              <a:t>DeepMind</a:t>
-            </a:r>
-            <a:r>
-              <a:rPr lang="zh-CN" altLang="en-US" dirty="0"/>
-              <a:t>还透露其团队正在开发能够击败人类围棋冠军的</a:t>
-            </a:r>
-            <a:r>
-              <a:rPr lang="en" altLang="zh-CN" dirty="0"/>
-              <a:t>AI</a:t>
-            </a:r>
-            <a:r>
-              <a:rPr lang="zh-CN" altLang="en-US" dirty="0"/>
-              <a:t>系统</a:t>
+              <a:rPr lang="zh-CN" altLang="en-US" sz="1200" dirty="0">
+                <a:solidFill>
+                  <a:srgbClr val="0432FF"/>
+                </a:solidFill>
+              </a:rPr>
+              <a:t>https://www.youtube.com/watch?v=Ih8EfvOzBOY&amp;pp=ygUKZ29vZ2xlIERRTg%3D%3D</a:t>
             </a:r>
           </a:p>
         </p:txBody>
@@ -32171,104 +34290,74 @@
               <a:rPr lang="zh-CN" altLang="en-US" dirty="0"/>
               <a:t>的提出：</a:t>
             </a:r>
-            <a:r>
-              <a:rPr lang="en" altLang="zh-CN" dirty="0" err="1"/>
-              <a:t>Kaiming</a:t>
-            </a:r>
-            <a:r>
-              <a:rPr lang="en" altLang="zh-CN" dirty="0"/>
-              <a:t> He</a:t>
-            </a:r>
-            <a:r>
-              <a:rPr lang="zh-CN" altLang="en-US" dirty="0"/>
-              <a:t>及其团队提出了深度残差学习（</a:t>
-            </a:r>
-            <a:r>
-              <a:rPr lang="en" altLang="zh-CN" dirty="0" err="1"/>
-              <a:t>ResNet</a:t>
-            </a:r>
-            <a:r>
-              <a:rPr lang="zh-CN" altLang="en" dirty="0"/>
-              <a:t>），</a:t>
-            </a:r>
-            <a:r>
-              <a:rPr lang="zh-CN" altLang="en-US" dirty="0"/>
-              <a:t>这一技术极大地推动了深度神经网络在图像识别和分类任务中的性能，成为计算机视觉领域的重大突破。</a:t>
-            </a:r>
             <a:endParaRPr lang="en-US" altLang="zh-CN" dirty="0"/>
           </a:p>
           <a:p>
+            <a:pPr lvl="1"/>
+            <a:r>
+              <a:rPr lang="en" altLang="zh-CN" dirty="0" err="1"/>
+              <a:t>Kaiming</a:t>
+            </a:r>
+            <a:r>
+              <a:rPr lang="en" altLang="zh-CN" dirty="0"/>
+              <a:t> He</a:t>
+            </a:r>
+            <a:r>
+              <a:rPr lang="zh-CN" altLang="en-US" dirty="0"/>
+              <a:t>及其团队提出了深度残差学习（</a:t>
+            </a:r>
             <a:r>
               <a:rPr lang="en" altLang="zh-CN" dirty="0" err="1"/>
               <a:t>ResNet</a:t>
             </a:r>
             <a:r>
-              <a:rPr lang="zh-CN" altLang="en-US" dirty="0"/>
-              <a:t>的提出：</a:t>
-            </a:r>
-            <a:r>
-              <a:rPr lang="en-US" altLang="zh-CN" dirty="0"/>
-              <a:t>2015</a:t>
-            </a:r>
-            <a:r>
-              <a:rPr lang="zh-CN" altLang="en-US" dirty="0"/>
-              <a:t>年，</a:t>
-            </a:r>
-            <a:r>
-              <a:rPr lang="en" altLang="zh-CN" dirty="0" err="1"/>
-              <a:t>Kaiming</a:t>
-            </a:r>
-            <a:r>
-              <a:rPr lang="en" altLang="zh-CN" dirty="0"/>
-              <a:t> He</a:t>
-            </a:r>
-            <a:r>
-              <a:rPr lang="zh-CN" altLang="en-US" dirty="0"/>
-              <a:t>等人提出了残差网络（</a:t>
-            </a:r>
-            <a:r>
-              <a:rPr lang="en" altLang="zh-CN" dirty="0" err="1"/>
-              <a:t>ResNet</a:t>
-            </a:r>
-            <a:r>
               <a:rPr lang="zh-CN" altLang="en" dirty="0"/>
               <a:t>），</a:t>
             </a:r>
             <a:r>
               <a:rPr lang="zh-CN" altLang="en-US" dirty="0"/>
-              <a:t>通过引入残差连接解决了深度神经网络中的梯度消失问题，使训练更深的网络成为可能，显著提升了图像分类和物体识别的性能</a:t>
-            </a:r>
-            <a:r>
-              <a:rPr lang="en-US" altLang="zh-CN" dirty="0"/>
-              <a:t>11</a:t>
-            </a:r>
-            <a:r>
-              <a:rPr lang="zh-CN" altLang="en-US" dirty="0"/>
-              <a:t>。</a:t>
-            </a:r>
+              <a:t>通过引入残差连接解决了深度神经网络中的梯度消失问题，使训练更深的网络成为可能，极大地推动了深度神经网络在图像识别和分类任务中的性能，成为计算机视觉领域的重大突破。</a:t>
+            </a:r>
+            <a:endParaRPr lang="en-US" altLang="zh-CN" dirty="0"/>
           </a:p>
+        </p:txBody>
+      </p:sp>
+      <p:sp>
+        <p:nvSpPr>
+          <p:cNvPr id="3" name="文本框 2">
+            <a:extLst>
+              <a:ext uri="{FF2B5EF4-FFF2-40B4-BE49-F238E27FC236}">
+                <a16:creationId xmlns:a16="http://schemas.microsoft.com/office/drawing/2014/main" id="{57C8D6A2-1CB2-E5FE-CA6A-D0A85888E1D6}"/>
+              </a:ext>
+            </a:extLst>
+          </p:cNvPr>
+          <p:cNvSpPr txBox="1"/>
+          <p:nvPr/>
+        </p:nvSpPr>
+        <p:spPr>
+          <a:xfrm>
+            <a:off x="2853559" y="1428671"/>
+            <a:ext cx="8271640" cy="276999"/>
+          </a:xfrm>
+          <a:prstGeom prst="rect">
+            <a:avLst/>
+          </a:prstGeom>
+          <a:noFill/>
+        </p:spPr>
+        <p:txBody>
+          <a:bodyPr wrap="square">
+            <a:spAutoFit/>
+          </a:bodyPr>
+          <a:lstStyle/>
           <a:p>
-            <a:br>
-              <a:rPr lang="zh-CN" altLang="en-US"/>
-            </a:br>
-            <a:endParaRPr lang="zh-CN" altLang="en-US" dirty="0"/>
-          </a:p>
-          <a:p>
-            <a:r>
-              <a:rPr lang="zh-CN" altLang="en-US" dirty="0"/>
-              <a:t>图像生成技术：多伦多大学的研究团队开发了一种基于注意力机制的神经网络，能够逐步生成复杂的图像。这种技术展示了</a:t>
-            </a:r>
-            <a:r>
-              <a:rPr lang="en" altLang="zh-CN" dirty="0"/>
-              <a:t>AI</a:t>
-            </a:r>
-            <a:r>
-              <a:rPr lang="zh-CN" altLang="en-US" dirty="0"/>
-              <a:t>在图像生成和创造性任务中的潜力</a:t>
-            </a:r>
-          </a:p>
-          <a:p>
-            <a:endParaRPr lang="zh-CN" altLang="en-US" dirty="0"/>
+            <a:r>
+              <a:rPr lang="zh-CN" altLang="en-US" sz="1200" dirty="0">
+                <a:solidFill>
+                  <a:srgbClr val="0432FF"/>
+                </a:solidFill>
+              </a:rPr>
+              <a:t>https://www.youtube.com/watch?v=o_3mboe1jYI&amp;pp=ygUGUmVzTmV0</a:t>
+            </a:r>
           </a:p>
         </p:txBody>
       </p:sp>
@@ -32316,38 +34405,70 @@
       </p:grpSpPr>
       <p:sp>
         <p:nvSpPr>
-          <p:cNvPr id="4" name="标题 3">
+          <p:cNvPr id="4" name="文本框 3">
             <a:extLst>
               <a:ext uri="{FF2B5EF4-FFF2-40B4-BE49-F238E27FC236}">
-                <a16:creationId xmlns:a16="http://schemas.microsoft.com/office/drawing/2014/main" id="{A492E3F1-1452-0498-CE04-6BF2D5735673}"/>
+                <a16:creationId xmlns:a16="http://schemas.microsoft.com/office/drawing/2014/main" id="{11B95A44-CCF2-9448-AD90-014C7B1CC7EC}"/>
               </a:ext>
             </a:extLst>
           </p:cNvPr>
-          <p:cNvSpPr>
-            <a:spLocks noGrp="1"/>
-          </p:cNvSpPr>
-          <p:nvPr>
-            <p:ph type="title"/>
-          </p:nvPr>
+          <p:cNvSpPr txBox="1"/>
+          <p:nvPr/>
         </p:nvSpPr>
         <p:spPr>
           <a:xfrm>
-            <a:off x="623635" y="522789"/>
-            <a:ext cx="10963473" cy="589190"/>
+            <a:off x="4728456" y="1046095"/>
+            <a:ext cx="2739853" cy="2646878"/>
           </a:xfrm>
+          <a:prstGeom prst="rect">
+            <a:avLst/>
+          </a:prstGeom>
+          <a:noFill/>
         </p:spPr>
         <p:txBody>
-          <a:bodyPr/>
+          <a:bodyPr wrap="none" rtlCol="0">
+            <a:spAutoFit/>
+          </a:bodyPr>
           <a:lstStyle/>
           <a:p>
-            <a:r>
-              <a:rPr lang="en" altLang="zh-CN" dirty="0"/>
-              <a:t>AI</a:t>
-            </a:r>
-            <a:r>
-              <a:rPr lang="zh-CN" altLang="en-US" dirty="0"/>
-              <a:t>产品的商业化</a:t>
-            </a:r>
+            <a:pPr algn="ctr"/>
+            <a:r>
+              <a:rPr kumimoji="1" lang="en-US" altLang="zh-CN" sz="16600" b="1" dirty="0">
+                <a:gradFill>
+                  <a:gsLst>
+                    <a:gs pos="4000">
+                      <a:srgbClr val="126FFC"/>
+                    </a:gs>
+                    <a:gs pos="73000">
+                      <a:srgbClr val="126FFC">
+                        <a:alpha val="0"/>
+                      </a:srgbClr>
+                    </a:gs>
+                  </a:gsLst>
+                  <a:lin ang="5400000" scaled="1"/>
+                </a:gradFill>
+                <a:latin typeface="PingFang SC Semibold" panose="020B0400000000000000" pitchFamily="34" charset="-122"/>
+                <a:ea typeface="PingFang SC Semibold" panose="020B0400000000000000" pitchFamily="34" charset="-122"/>
+              </a:rPr>
+              <a:t>02</a:t>
+            </a:r>
+            <a:endParaRPr kumimoji="1" lang="zh-CN" altLang="en-US" sz="16600" b="1" dirty="0">
+              <a:gradFill>
+                <a:gsLst>
+                  <a:gs pos="4000">
+                    <a:srgbClr val="126FFC"/>
+                  </a:gs>
+                  <a:gs pos="73000">
+                    <a:srgbClr val="126FFC">
+                      <a:alpha val="0"/>
+                    </a:srgbClr>
+                  </a:gs>
+                </a:gsLst>
+                <a:lin ang="5400000" scaled="1"/>
+              </a:gradFill>
+              <a:latin typeface="PingFang SC Semibold" panose="020B0400000000000000" pitchFamily="34" charset="-122"/>
+              <a:ea typeface="PingFang SC Semibold" panose="020B0400000000000000" pitchFamily="34" charset="-122"/>
+            </a:endParaRPr>
           </a:p>
         </p:txBody>
       </p:sp>
@@ -32356,7 +34477,7 @@
           <p:cNvPr id="5" name="内容占位符 4">
             <a:extLst>
               <a:ext uri="{FF2B5EF4-FFF2-40B4-BE49-F238E27FC236}">
-                <a16:creationId xmlns:a16="http://schemas.microsoft.com/office/drawing/2014/main" id="{C06FCAF8-CEB4-D538-8B5F-2D92908DCF0E}"/>
+                <a16:creationId xmlns:a16="http://schemas.microsoft.com/office/drawing/2014/main" id="{D04938AF-B47A-1764-AB7F-5185CDB78730}"/>
               </a:ext>
             </a:extLst>
           </p:cNvPr>
@@ -32369,154 +34490,52 @@
         </p:nvSpPr>
         <p:spPr>
           <a:xfrm>
-            <a:off x="623635" y="1246909"/>
-            <a:ext cx="10963473" cy="5108171"/>
+            <a:off x="481757" y="2406869"/>
+            <a:ext cx="11161240" cy="3603651"/>
           </a:xfrm>
         </p:spPr>
         <p:txBody>
-          <a:bodyPr/>
+          <a:bodyPr>
+            <a:normAutofit/>
+          </a:bodyPr>
           <a:lstStyle/>
           <a:p>
-            <a:r>
-              <a:rPr lang="zh-CN" altLang="en-US" dirty="0"/>
-              <a:t>谷歌相册与智能回复：谷歌推出了基于深度学习的谷歌相册服务，能够自动分类和识别照片中的人物和场景。此外，谷歌还推出了邮件智能回复功能“</a:t>
-            </a:r>
-            <a:r>
-              <a:rPr lang="en" altLang="zh-CN" dirty="0"/>
-              <a:t>Smart Reply”</a:t>
-            </a:r>
-            <a:r>
-              <a:rPr lang="zh-CN" altLang="en" dirty="0"/>
-              <a:t>，</a:t>
-            </a:r>
-            <a:r>
-              <a:rPr lang="zh-CN" altLang="en-US" dirty="0"/>
-              <a:t>利用自然语言处理技术生成邮件回复建议</a:t>
-            </a:r>
-            <a:r>
-              <a:rPr lang="en-US" altLang="zh-CN" dirty="0"/>
-              <a:t>13</a:t>
-            </a:r>
-            <a:r>
-              <a:rPr lang="zh-CN" altLang="en-US" dirty="0"/>
-              <a:t>。</a:t>
-            </a:r>
-          </a:p>
-          <a:p>
-            <a:r>
-              <a:rPr lang="en" altLang="zh-CN" dirty="0"/>
-              <a:t>Facebook</a:t>
-            </a:r>
-            <a:r>
-              <a:rPr lang="zh-CN" altLang="en-US" dirty="0"/>
-              <a:t>的</a:t>
-            </a:r>
-            <a:r>
-              <a:rPr lang="en" altLang="zh-CN" dirty="0"/>
-              <a:t>AI</a:t>
-            </a:r>
-            <a:r>
-              <a:rPr lang="zh-CN" altLang="en-US" dirty="0"/>
-              <a:t>助手</a:t>
-            </a:r>
-            <a:r>
-              <a:rPr lang="en" altLang="zh-CN" dirty="0"/>
-              <a:t>M</a:t>
-            </a:r>
-            <a:r>
-              <a:rPr lang="zh-CN" altLang="en" dirty="0"/>
-              <a:t>：</a:t>
-            </a:r>
-            <a:r>
-              <a:rPr lang="en" altLang="zh-CN" dirty="0"/>
-              <a:t>Facebook</a:t>
-            </a:r>
-            <a:r>
-              <a:rPr lang="zh-CN" altLang="en-US" dirty="0"/>
-              <a:t>推出了内置于</a:t>
-            </a:r>
-            <a:r>
-              <a:rPr lang="en" altLang="zh-CN" dirty="0"/>
-              <a:t>Messenger</a:t>
-            </a:r>
-            <a:r>
-              <a:rPr lang="zh-CN" altLang="en-US" dirty="0"/>
-              <a:t>的</a:t>
-            </a:r>
-            <a:r>
-              <a:rPr lang="en" altLang="zh-CN" dirty="0"/>
-              <a:t>AI</a:t>
-            </a:r>
-            <a:r>
-              <a:rPr lang="zh-CN" altLang="en-US" dirty="0"/>
-              <a:t>助手</a:t>
-            </a:r>
-            <a:r>
-              <a:rPr lang="en" altLang="zh-CN" dirty="0"/>
-              <a:t>M</a:t>
-            </a:r>
-            <a:r>
-              <a:rPr lang="zh-CN" altLang="en" dirty="0"/>
-              <a:t>，</a:t>
-            </a:r>
-            <a:r>
-              <a:rPr lang="zh-CN" altLang="en-US" dirty="0"/>
-              <a:t>能够通过人工智能生成对话回复，并逐步学习用户的偏好</a:t>
-            </a:r>
-            <a:r>
-              <a:rPr lang="en-US" altLang="zh-CN" dirty="0"/>
-              <a:t>13</a:t>
-            </a:r>
-            <a:r>
-              <a:rPr lang="zh-CN" altLang="en-US" dirty="0"/>
-              <a:t>。</a:t>
-            </a:r>
-          </a:p>
-          <a:p>
-            <a:r>
-              <a:rPr lang="zh-CN" altLang="en-US" dirty="0"/>
-              <a:t>特斯拉的自动驾驶：特斯拉发布了</a:t>
-            </a:r>
-            <a:r>
-              <a:rPr lang="en" altLang="zh-CN" dirty="0"/>
-              <a:t>Autopilot</a:t>
-            </a:r>
-            <a:r>
-              <a:rPr lang="zh-CN" altLang="en-US" dirty="0"/>
-              <a:t>系统，首次将部分自动驾驶功能引入商用车辆，标志着自动驾驶技术的重大进展</a:t>
-            </a:r>
-            <a:r>
-              <a:rPr lang="en-US" altLang="zh-CN" dirty="0"/>
-              <a:t>1</a:t>
-            </a:r>
-          </a:p>
-          <a:p>
-            <a:endParaRPr lang="zh-CN" altLang="en-US" dirty="0"/>
+            <a:pPr algn="ctr" rtl="0">
+              <a:spcBef>
+                <a:spcPts val="1800"/>
+              </a:spcBef>
+              <a:spcAft>
+                <a:spcPts val="600"/>
+              </a:spcAft>
+            </a:pPr>
+            <a:r>
+              <a:rPr lang="zh-CN" altLang="en-US" dirty="0">
+                <a:solidFill>
+                  <a:schemeClr val="tx2"/>
+                </a:solidFill>
+              </a:rPr>
+              <a:t>深度学习与开源热潮</a:t>
+            </a:r>
+            <a:endParaRPr lang="en-US" altLang="zh-CN" dirty="0">
+              <a:solidFill>
+                <a:schemeClr val="tx2"/>
+              </a:solidFill>
+              <a:latin typeface="Lexend" pitchFamily="2" charset="0"/>
+              <a:ea typeface="+mj-ea"/>
+            </a:endParaRPr>
           </a:p>
         </p:txBody>
       </p:sp>
     </p:spTree>
     <p:extLst>
       <p:ext uri="{BB962C8B-B14F-4D97-AF65-F5344CB8AC3E}">
-        <p14:creationId xmlns:p14="http://schemas.microsoft.com/office/powerpoint/2010/main" val="3286900871"/>
+        <p14:creationId xmlns:p14="http://schemas.microsoft.com/office/powerpoint/2010/main" val="2332351375"/>
       </p:ext>
     </p:extLst>
   </p:cSld>
   <p:clrMapOvr>
     <a:masterClrMapping/>
   </p:clrMapOvr>
-  <mc:AlternateContent xmlns:mc="http://schemas.openxmlformats.org/markup-compatibility/2006" xmlns:p159="http://schemas.microsoft.com/office/powerpoint/2015/09/main">
-    <mc:Choice Requires="p159">
-      <p:transition xmlns:p14="http://schemas.microsoft.com/office/powerpoint/2010/main" spd="slow" p14:dur="2000">
-        <p159:morph option="byObject"/>
-      </p:transition>
-    </mc:Choice>
-    <mc:Fallback xmlns="">
-      <p:transition spd="slow">
-        <p:fade/>
-      </p:transition>
-    </mc:Fallback>
-  </mc:AlternateContent>
 </p:sld>
 </file>
 
@@ -32539,10 +34558,10 @@
       </p:grpSpPr>
       <p:sp>
         <p:nvSpPr>
-          <p:cNvPr id="4" name="标题 3">
+          <p:cNvPr id="3" name="标题 2">
             <a:extLst>
               <a:ext uri="{FF2B5EF4-FFF2-40B4-BE49-F238E27FC236}">
-                <a16:creationId xmlns:a16="http://schemas.microsoft.com/office/drawing/2014/main" id="{A0CB4268-2D2A-7525-DC66-94C37D1B552A}"/>
+                <a16:creationId xmlns:a16="http://schemas.microsoft.com/office/drawing/2014/main" id="{69AEA055-67C8-0AFC-274E-C1C28266C7FF}"/>
               </a:ext>
             </a:extLst>
           </p:cNvPr>
@@ -32564,22 +34583,18 @@
           <a:lstStyle/>
           <a:p>
             <a:r>
-              <a:rPr lang="en" altLang="zh-CN" dirty="0"/>
-              <a:t>AI</a:t>
-            </a:r>
-            <a:r>
               <a:rPr lang="zh-CN" altLang="en-US" dirty="0"/>
-              <a:t>投资与创业热潮</a:t>
+              <a:t>深度学习与开源热潮</a:t>
             </a:r>
           </a:p>
         </p:txBody>
       </p:sp>
       <p:sp>
         <p:nvSpPr>
-          <p:cNvPr id="5" name="内容占位符 4">
+          <p:cNvPr id="4" name="内容占位符 3">
             <a:extLst>
               <a:ext uri="{FF2B5EF4-FFF2-40B4-BE49-F238E27FC236}">
-                <a16:creationId xmlns:a16="http://schemas.microsoft.com/office/drawing/2014/main" id="{1A0F7EE1-4C0E-A772-434E-35CFB64DD2A9}"/>
+                <a16:creationId xmlns:a16="http://schemas.microsoft.com/office/drawing/2014/main" id="{7A72B731-5E75-DC61-AAB4-49D785AA4103}"/>
               </a:ext>
             </a:extLst>
           </p:cNvPr>
@@ -32601,243 +34616,64 @@
           <a:lstStyle/>
           <a:p>
             <a:r>
+              <a:rPr lang="zh-CN" altLang="en-US" dirty="0"/>
+              <a:t>谷歌开源</a:t>
+            </a:r>
+            <a:r>
               <a:rPr lang="en" altLang="zh-CN" dirty="0"/>
-              <a:t>OpenAI</a:t>
-            </a:r>
-            <a:r>
-              <a:rPr lang="zh-CN" altLang="en-US" dirty="0"/>
-              <a:t>的成立：</a:t>
-            </a:r>
-            <a:r>
-              <a:rPr lang="en-US" altLang="zh-CN" dirty="0"/>
-              <a:t>2015</a:t>
-            </a:r>
-            <a:r>
-              <a:rPr lang="zh-CN" altLang="en-US" dirty="0"/>
-              <a:t>年</a:t>
-            </a:r>
-            <a:r>
-              <a:rPr lang="en-US" altLang="zh-CN" dirty="0"/>
-              <a:t>12</a:t>
-            </a:r>
-            <a:r>
-              <a:rPr lang="zh-CN" altLang="en-US" dirty="0"/>
-              <a:t>月，特斯拉</a:t>
-            </a:r>
-            <a:r>
-              <a:rPr lang="en" altLang="zh-CN" dirty="0"/>
-              <a:t>CEO</a:t>
-            </a:r>
-            <a:r>
-              <a:rPr lang="zh-CN" altLang="en-US" dirty="0"/>
-              <a:t>伊隆</a:t>
-            </a:r>
-            <a:r>
-              <a:rPr lang="en-US" altLang="zh-CN" dirty="0"/>
-              <a:t>·</a:t>
-            </a:r>
-            <a:r>
-              <a:rPr lang="zh-CN" altLang="en-US" dirty="0"/>
-              <a:t>马斯克、</a:t>
-            </a:r>
-            <a:r>
-              <a:rPr lang="en" altLang="zh-CN" dirty="0"/>
-              <a:t>Y Combinator</a:t>
-            </a:r>
-            <a:r>
-              <a:rPr lang="zh-CN" altLang="en-US" dirty="0"/>
-              <a:t>董事长</a:t>
-            </a:r>
-            <a:r>
-              <a:rPr lang="en" altLang="zh-CN" dirty="0"/>
-              <a:t>Sam Altman</a:t>
-            </a:r>
-            <a:r>
-              <a:rPr lang="zh-CN" altLang="en-US" dirty="0"/>
-              <a:t>等人共同出资</a:t>
-            </a:r>
-            <a:r>
-              <a:rPr lang="en-US" altLang="zh-CN" dirty="0"/>
-              <a:t>10</a:t>
-            </a:r>
-            <a:r>
-              <a:rPr lang="zh-CN" altLang="en-US" dirty="0"/>
-              <a:t>亿美元成立了非营利性</a:t>
-            </a:r>
-            <a:r>
-              <a:rPr lang="en" altLang="zh-CN" dirty="0"/>
-              <a:t>AI</a:t>
-            </a:r>
-            <a:r>
-              <a:rPr lang="zh-CN" altLang="en-US" dirty="0"/>
-              <a:t>研究机构</a:t>
-            </a:r>
-            <a:r>
-              <a:rPr lang="en" altLang="zh-CN" dirty="0"/>
-              <a:t>OpenAI</a:t>
+              <a:t>TensorFlow</a:t>
             </a:r>
             <a:r>
               <a:rPr lang="zh-CN" altLang="en" dirty="0"/>
-              <a:t>，</a:t>
-            </a:r>
-            <a:r>
-              <a:rPr lang="zh-CN" altLang="en-US" dirty="0"/>
-              <a:t>旨在推动</a:t>
-            </a:r>
-            <a:r>
-              <a:rPr lang="en" altLang="zh-CN" dirty="0"/>
-              <a:t>AI</a:t>
-            </a:r>
-            <a:r>
-              <a:rPr lang="zh-CN" altLang="en-US" dirty="0"/>
-              <a:t>的安全研究和开发，确保</a:t>
-            </a:r>
-            <a:r>
-              <a:rPr lang="en" altLang="zh-CN" dirty="0"/>
-              <a:t>AI</a:t>
-            </a:r>
-            <a:r>
-              <a:rPr lang="zh-CN" altLang="en-US" dirty="0"/>
-              <a:t>技术对人类有益</a:t>
-            </a:r>
-            <a:r>
-              <a:rPr lang="en-US" altLang="zh-CN" dirty="0"/>
-              <a:t>312</a:t>
-            </a:r>
-            <a:r>
-              <a:rPr lang="zh-CN" altLang="en-US" dirty="0"/>
-              <a:t>。</a:t>
-            </a:r>
-          </a:p>
-          <a:p>
-            <a:r>
-              <a:rPr lang="en" altLang="zh-CN" dirty="0"/>
-              <a:t>AI</a:t>
-            </a:r>
-            <a:r>
-              <a:rPr lang="zh-CN" altLang="en-US" dirty="0"/>
-              <a:t>创业公司的崛起：</a:t>
-            </a:r>
-            <a:r>
-              <a:rPr lang="en-US" altLang="zh-CN" dirty="0"/>
-              <a:t>2015</a:t>
-            </a:r>
-            <a:r>
-              <a:rPr lang="zh-CN" altLang="en-US" dirty="0"/>
-              <a:t>年，全球范围内有超过</a:t>
-            </a:r>
-            <a:r>
-              <a:rPr lang="en-US" altLang="zh-CN" dirty="0"/>
-              <a:t>300</a:t>
-            </a:r>
-            <a:r>
-              <a:rPr lang="zh-CN" altLang="en-US" dirty="0"/>
-              <a:t>笔</a:t>
-            </a:r>
-            <a:r>
-              <a:rPr lang="en" altLang="zh-CN" dirty="0"/>
-              <a:t>AI</a:t>
-            </a:r>
-            <a:r>
-              <a:rPr lang="zh-CN" altLang="en-US" dirty="0"/>
-              <a:t>领域的投资，总估值超过</a:t>
-            </a:r>
-            <a:r>
-              <a:rPr lang="en-US" altLang="zh-CN" dirty="0"/>
-              <a:t>87</a:t>
-            </a:r>
-            <a:r>
-              <a:rPr lang="zh-CN" altLang="en-US" dirty="0"/>
-              <a:t>亿美元。许多初创公司如</a:t>
-            </a:r>
-            <a:r>
-              <a:rPr lang="en" altLang="zh-CN" dirty="0"/>
-              <a:t>Vicarious</a:t>
-            </a:r>
-            <a:r>
-              <a:rPr lang="zh-CN" altLang="en" dirty="0"/>
-              <a:t>、</a:t>
-            </a:r>
-            <a:r>
-              <a:rPr lang="en" altLang="zh-CN" dirty="0"/>
-              <a:t>Deep Genomics</a:t>
-            </a:r>
-            <a:r>
-              <a:rPr lang="zh-CN" altLang="en-US" dirty="0"/>
-              <a:t>等在</a:t>
-            </a:r>
-            <a:r>
-              <a:rPr lang="en" altLang="zh-CN" dirty="0"/>
-              <a:t>AI</a:t>
-            </a:r>
-            <a:r>
-              <a:rPr lang="zh-CN" altLang="en-US" dirty="0"/>
-              <a:t>领域取得了显著进展</a:t>
-            </a:r>
-            <a:r>
-              <a:rPr lang="en-US" altLang="zh-CN" dirty="0"/>
-              <a:t>16</a:t>
-            </a:r>
-            <a:r>
-              <a:rPr lang="zh-CN" altLang="en-US" dirty="0"/>
-              <a:t>。</a:t>
-            </a:r>
-          </a:p>
-          <a:p>
-            <a:r>
-              <a:rPr lang="zh-CN" altLang="en-US" dirty="0"/>
-              <a:t>巨头的收购与布局：谷歌、苹果、</a:t>
-            </a:r>
-            <a:r>
-              <a:rPr lang="en" altLang="zh-CN" dirty="0"/>
-              <a:t>IBM</a:t>
-            </a:r>
-            <a:r>
-              <a:rPr lang="zh-CN" altLang="en-US" dirty="0"/>
-              <a:t>等科技巨头通过收购</a:t>
-            </a:r>
-            <a:r>
-              <a:rPr lang="en" altLang="zh-CN" dirty="0"/>
-              <a:t>AI</a:t>
-            </a:r>
-            <a:r>
-              <a:rPr lang="zh-CN" altLang="en-US" dirty="0"/>
-              <a:t>初创公司（如苹果收购</a:t>
-            </a:r>
-            <a:r>
-              <a:rPr lang="en" altLang="zh-CN" dirty="0" err="1"/>
-              <a:t>VocalIQ</a:t>
-            </a:r>
-            <a:r>
-              <a:rPr lang="zh-CN" altLang="en-US" dirty="0"/>
-              <a:t>和</a:t>
-            </a:r>
-            <a:r>
-              <a:rPr lang="en" altLang="zh-CN" dirty="0" err="1"/>
-              <a:t>Perceptio</a:t>
-            </a:r>
-            <a:r>
-              <a:rPr lang="zh-CN" altLang="en" dirty="0"/>
-              <a:t>）</a:t>
-            </a:r>
-            <a:r>
-              <a:rPr lang="zh-CN" altLang="en-US" dirty="0"/>
-              <a:t>进一步加强了其在</a:t>
-            </a:r>
-            <a:r>
-              <a:rPr lang="en" altLang="zh-CN" dirty="0"/>
-              <a:t>AI</a:t>
-            </a:r>
-            <a:r>
-              <a:rPr lang="zh-CN" altLang="en-US" dirty="0"/>
-              <a:t>领域的技术储备</a:t>
+              <a:t>：</a:t>
             </a:r>
             <a:endParaRPr lang="en-US" altLang="zh-CN" dirty="0"/>
           </a:p>
           <a:p>
+            <a:pPr lvl="1"/>
+            <a:r>
+              <a:rPr lang="en" altLang="zh-CN" dirty="0"/>
+              <a:t>2015</a:t>
+            </a:r>
             <a:r>
               <a:rPr lang="zh-CN" altLang="en-US" dirty="0"/>
-              <a:t>技术突破：</a:t>
+              <a:t>年</a:t>
+            </a:r>
+            <a:r>
+              <a:rPr lang="en-US" altLang="zh-CN" dirty="0"/>
+              <a:t>11</a:t>
+            </a:r>
+            <a:r>
+              <a:rPr lang="zh-CN" altLang="en-US" dirty="0"/>
+              <a:t>月，谷歌开源</a:t>
+            </a:r>
+            <a:r>
+              <a:rPr lang="en" altLang="zh-CN" dirty="0"/>
+              <a:t>TensorFlow</a:t>
+            </a:r>
+            <a:r>
+              <a:rPr lang="zh-CN" altLang="en" dirty="0"/>
+              <a:t>，</a:t>
+            </a:r>
+            <a:r>
+              <a:rPr lang="zh-CN" altLang="en-US" dirty="0"/>
+              <a:t>基于深度学习的框架，为开发者提供构建和训练神经网络的</a:t>
+            </a:r>
+            <a:r>
+              <a:rPr lang="en-US" altLang="zh-CN" dirty="0"/>
+              <a:t> API</a:t>
+            </a:r>
+            <a:r>
+              <a:rPr lang="zh-CN" altLang="en-US" dirty="0"/>
+              <a:t>。</a:t>
+            </a:r>
+            <a:r>
+              <a:rPr lang="en" altLang="zh-CN" dirty="0"/>
+              <a:t>TensorFlow</a:t>
+            </a:r>
+            <a:r>
+              <a:rPr lang="zh-CN" altLang="en-US" dirty="0"/>
+              <a:t> 的开源迅速成为</a:t>
             </a:r>
             <a:r>
               <a:rPr lang="en" altLang="zh-CN" dirty="0"/>
@@ -32845,40 +34681,45 @@
             </a:r>
             <a:r>
               <a:rPr lang="zh-CN" altLang="en-US" dirty="0"/>
-              <a:t>四小龙以计算机视觉（</a:t>
+              <a:t>研究和应用的核心工具，推动了全球</a:t>
             </a:r>
             <a:r>
               <a:rPr lang="en" altLang="zh-CN" dirty="0"/>
-              <a:t>CV</a:t>
-            </a:r>
-            <a:r>
-              <a:rPr lang="zh-CN" altLang="en" dirty="0"/>
-              <a:t>）</a:t>
+              <a:t>AI</a:t>
             </a:r>
             <a:r>
               <a:rPr lang="zh-CN" altLang="en-US" dirty="0"/>
-              <a:t>技术为核心，迅速崛起。商汤科技凭借深度学习算法在图像识别领域取得领先地位，旷视科技的人脸识别技术广泛应用于安防和金融领域，云从科技在金融和安防领域落地，依图科技则在医疗影像和安防领域表现出色</a:t>
-            </a:r>
-            <a:r>
-              <a:rPr lang="en-US" altLang="zh-CN" dirty="0"/>
-              <a:t>111</a:t>
+              <a:t>技术的发展。成为</a:t>
+            </a:r>
+            <a:r>
+              <a:rPr lang="en" altLang="zh-CN" dirty="0"/>
+              <a:t>AI</a:t>
             </a:r>
             <a:r>
               <a:rPr lang="zh-CN" altLang="en-US" dirty="0"/>
-              <a:t>。</a:t>
+              <a:t>领域的里程碑事件，推动了深度学习技术的普及。</a:t>
             </a:r>
           </a:p>
           <a:p>
-            <a:br>
-              <a:rPr lang="zh-CN" altLang="en-US"/>
-            </a:br>
-            <a:r>
-              <a:rPr lang="zh-CN" altLang="en-US"/>
-              <a:t>云</a:t>
+            <a:r>
+              <a:rPr lang="en" altLang="zh-CN" dirty="0"/>
+              <a:t>Facebook</a:t>
             </a:r>
             <a:r>
               <a:rPr lang="zh-CN" altLang="en-US" dirty="0"/>
-              <a:t>从科技：</a:t>
+              <a:t>的开源贡献：</a:t>
+            </a:r>
+            <a:endParaRPr lang="en-US" altLang="zh-CN" dirty="0"/>
+          </a:p>
+          <a:p>
+            <a:pPr lvl="1"/>
+            <a:r>
+              <a:rPr lang="en" altLang="zh-CN" dirty="0"/>
+              <a:t>Facebook</a:t>
+            </a:r>
+            <a:r>
+              <a:rPr lang="zh-CN" altLang="en-US" dirty="0"/>
+              <a:t> 在 </a:t>
             </a:r>
             <a:r>
               <a:rPr lang="en-US" altLang="zh-CN" dirty="0"/>
@@ -32886,26 +34727,163 @@
             </a:r>
             <a:r>
               <a:rPr lang="zh-CN" altLang="en-US" dirty="0"/>
-              <a:t>年成立，孵化自中国科学院，凭借“国家队”背景，在金融领域迅速打开市场。形成 </a:t>
+              <a:t> 年也开源了其深度学习工具，基于</a:t>
             </a:r>
             <a:r>
               <a:rPr lang="en-US" altLang="zh-CN" dirty="0"/>
-              <a:t>4 </a:t>
+              <a:t>LUA</a:t>
             </a:r>
             <a:r>
               <a:rPr lang="zh-CN" altLang="en-US" dirty="0"/>
-              <a:t>小龙的趋势。</a:t>
+              <a:t> 语言实现的 </a:t>
+            </a:r>
+            <a:r>
+              <a:rPr lang="en" altLang="zh-CN" dirty="0"/>
+              <a:t>Torch</a:t>
+            </a:r>
+            <a:r>
+              <a:rPr lang="zh-CN" altLang="en-US" dirty="0"/>
+              <a:t> 神经网络库</a:t>
+            </a:r>
+            <a:r>
+              <a:rPr lang="zh-CN" altLang="en" dirty="0"/>
+              <a:t>。</a:t>
             </a:r>
           </a:p>
           <a:p>
-            <a:endParaRPr lang="zh-CN" altLang="en-US" dirty="0"/>
+            <a:r>
+              <a:rPr lang="zh-CN" altLang="en-US" dirty="0"/>
+              <a:t>其他巨头的开源行动：</a:t>
+            </a:r>
+            <a:endParaRPr lang="en-US" altLang="zh-CN" dirty="0"/>
+          </a:p>
+          <a:p>
+            <a:pPr lvl="1"/>
+            <a:r>
+              <a:rPr lang="zh-CN" altLang="en-US" dirty="0"/>
+              <a:t>微软开源了分布式机器学习工具包（</a:t>
+            </a:r>
+            <a:r>
+              <a:rPr lang="en" altLang="zh-CN" dirty="0"/>
+              <a:t>DMTK</a:t>
+            </a:r>
+            <a:r>
+              <a:rPr lang="zh-CN" altLang="en" dirty="0"/>
+              <a:t>），</a:t>
+            </a:r>
+            <a:r>
+              <a:rPr lang="en" altLang="zh-CN" dirty="0"/>
+              <a:t>IBM</a:t>
+            </a:r>
+            <a:r>
+              <a:rPr lang="zh-CN" altLang="en-US" dirty="0"/>
+              <a:t>开源了其机器学习平台</a:t>
+            </a:r>
+            <a:r>
+              <a:rPr lang="en" altLang="zh-CN" dirty="0" err="1"/>
+              <a:t>SystemML</a:t>
+            </a:r>
+            <a:r>
+              <a:rPr lang="zh-CN" altLang="en" dirty="0"/>
+              <a:t>，</a:t>
+            </a:r>
+            <a:r>
+              <a:rPr lang="zh-CN" altLang="en-US" dirty="0"/>
+              <a:t>进一步推动了</a:t>
+            </a:r>
+            <a:r>
+              <a:rPr lang="en" altLang="zh-CN" dirty="0"/>
+              <a:t>AI</a:t>
+            </a:r>
+            <a:r>
+              <a:rPr lang="zh-CN" altLang="en-US" dirty="0"/>
+              <a:t>技术的普及。</a:t>
+            </a:r>
+          </a:p>
+        </p:txBody>
+      </p:sp>
+      <p:sp>
+        <p:nvSpPr>
+          <p:cNvPr id="5" name="文本框 4">
+            <a:extLst>
+              <a:ext uri="{FF2B5EF4-FFF2-40B4-BE49-F238E27FC236}">
+                <a16:creationId xmlns:a16="http://schemas.microsoft.com/office/drawing/2014/main" id="{6C503EFE-345B-852F-5D4F-43821A4FF033}"/>
+              </a:ext>
+            </a:extLst>
+          </p:cNvPr>
+          <p:cNvSpPr txBox="1"/>
+          <p:nvPr/>
+        </p:nvSpPr>
+        <p:spPr>
+          <a:xfrm>
+            <a:off x="3610304" y="1302088"/>
+            <a:ext cx="8271640" cy="276999"/>
+          </a:xfrm>
+          <a:prstGeom prst="rect">
+            <a:avLst/>
+          </a:prstGeom>
+          <a:noFill/>
+        </p:spPr>
+        <p:txBody>
+          <a:bodyPr wrap="square">
+            <a:spAutoFit/>
+          </a:bodyPr>
+          <a:lstStyle/>
+          <a:p>
+            <a:r>
+              <a:rPr lang="zh-CN" altLang="en-US" sz="1200" dirty="0">
+                <a:solidFill>
+                  <a:srgbClr val="0432FF"/>
+                </a:solidFill>
+              </a:rPr>
+              <a:t>https://www.youtube.com/watch?v=yjprpOoH5c8&amp;t=81s&amp;pp=ygUKVGVuc29yRmxvdw%3D%3D</a:t>
+            </a:r>
+          </a:p>
+        </p:txBody>
+      </p:sp>
+      <p:sp>
+        <p:nvSpPr>
+          <p:cNvPr id="7" name="文本框 6">
+            <a:extLst>
+              <a:ext uri="{FF2B5EF4-FFF2-40B4-BE49-F238E27FC236}">
+                <a16:creationId xmlns:a16="http://schemas.microsoft.com/office/drawing/2014/main" id="{660CDF17-7064-E1BC-D2F4-1DD557C9ACAB}"/>
+              </a:ext>
+            </a:extLst>
+          </p:cNvPr>
+          <p:cNvSpPr txBox="1"/>
+          <p:nvPr/>
+        </p:nvSpPr>
+        <p:spPr>
+          <a:xfrm>
+            <a:off x="3778469" y="3349131"/>
+            <a:ext cx="8271640" cy="276999"/>
+          </a:xfrm>
+          <a:prstGeom prst="rect">
+            <a:avLst/>
+          </a:prstGeom>
+          <a:noFill/>
+        </p:spPr>
+        <p:txBody>
+          <a:bodyPr wrap="square">
+            <a:spAutoFit/>
+          </a:bodyPr>
+          <a:lstStyle/>
+          <a:p>
+            <a:r>
+              <a:rPr lang="zh-CN" altLang="en-US" sz="1200" dirty="0">
+                <a:solidFill>
+                  <a:srgbClr val="0432FF"/>
+                </a:solidFill>
+              </a:rPr>
+              <a:t>https://www.youtube.com/watch?v=UeynXpQxLAI&amp;t=354s&amp;pp=ygUObWljcm9zb2Z0IERNVEs%3D</a:t>
+            </a:r>
           </a:p>
         </p:txBody>
       </p:sp>
     </p:spTree>
     <p:extLst>
       <p:ext uri="{BB962C8B-B14F-4D97-AF65-F5344CB8AC3E}">
-        <p14:creationId xmlns:p14="http://schemas.microsoft.com/office/powerpoint/2010/main" val="2617077103"/>
+        <p14:creationId xmlns:p14="http://schemas.microsoft.com/office/powerpoint/2010/main" val="358487902"/>
       </p:ext>
     </p:extLst>
   </p:cSld>
@@ -32946,10 +34924,156 @@
       </p:grpSpPr>
       <p:sp>
         <p:nvSpPr>
+          <p:cNvPr id="4" name="文本框 3">
+            <a:extLst>
+              <a:ext uri="{FF2B5EF4-FFF2-40B4-BE49-F238E27FC236}">
+                <a16:creationId xmlns:a16="http://schemas.microsoft.com/office/drawing/2014/main" id="{11B95A44-CCF2-9448-AD90-014C7B1CC7EC}"/>
+              </a:ext>
+            </a:extLst>
+          </p:cNvPr>
+          <p:cNvSpPr txBox="1"/>
+          <p:nvPr/>
+        </p:nvSpPr>
+        <p:spPr>
+          <a:xfrm>
+            <a:off x="4728456" y="1046095"/>
+            <a:ext cx="2739853" cy="2646878"/>
+          </a:xfrm>
+          <a:prstGeom prst="rect">
+            <a:avLst/>
+          </a:prstGeom>
+          <a:noFill/>
+        </p:spPr>
+        <p:txBody>
+          <a:bodyPr wrap="none" rtlCol="0">
+            <a:spAutoFit/>
+          </a:bodyPr>
+          <a:lstStyle/>
+          <a:p>
+            <a:pPr algn="ctr"/>
+            <a:r>
+              <a:rPr kumimoji="1" lang="en-US" altLang="zh-CN" sz="16600" b="1" dirty="0">
+                <a:gradFill>
+                  <a:gsLst>
+                    <a:gs pos="4000">
+                      <a:srgbClr val="126FFC"/>
+                    </a:gs>
+                    <a:gs pos="73000">
+                      <a:srgbClr val="126FFC">
+                        <a:alpha val="0"/>
+                      </a:srgbClr>
+                    </a:gs>
+                  </a:gsLst>
+                  <a:lin ang="5400000" scaled="1"/>
+                </a:gradFill>
+                <a:latin typeface="PingFang SC Semibold" panose="020B0400000000000000" pitchFamily="34" charset="-122"/>
+                <a:ea typeface="PingFang SC Semibold" panose="020B0400000000000000" pitchFamily="34" charset="-122"/>
+              </a:rPr>
+              <a:t>03</a:t>
+            </a:r>
+            <a:endParaRPr kumimoji="1" lang="zh-CN" altLang="en-US" sz="16600" b="1" dirty="0">
+              <a:gradFill>
+                <a:gsLst>
+                  <a:gs pos="4000">
+                    <a:srgbClr val="126FFC"/>
+                  </a:gs>
+                  <a:gs pos="73000">
+                    <a:srgbClr val="126FFC">
+                      <a:alpha val="0"/>
+                    </a:srgbClr>
+                  </a:gs>
+                </a:gsLst>
+                <a:lin ang="5400000" scaled="1"/>
+              </a:gradFill>
+              <a:latin typeface="PingFang SC Semibold" panose="020B0400000000000000" pitchFamily="34" charset="-122"/>
+              <a:ea typeface="PingFang SC Semibold" panose="020B0400000000000000" pitchFamily="34" charset="-122"/>
+            </a:endParaRPr>
+          </a:p>
+        </p:txBody>
+      </p:sp>
+      <p:sp>
+        <p:nvSpPr>
+          <p:cNvPr id="5" name="内容占位符 4">
+            <a:extLst>
+              <a:ext uri="{FF2B5EF4-FFF2-40B4-BE49-F238E27FC236}">
+                <a16:creationId xmlns:a16="http://schemas.microsoft.com/office/drawing/2014/main" id="{D04938AF-B47A-1764-AB7F-5185CDB78730}"/>
+              </a:ext>
+            </a:extLst>
+          </p:cNvPr>
+          <p:cNvSpPr>
+            <a:spLocks noGrp="1"/>
+          </p:cNvSpPr>
+          <p:nvPr>
+            <p:ph sz="half" idx="1"/>
+          </p:nvPr>
+        </p:nvSpPr>
+        <p:spPr>
+          <a:xfrm>
+            <a:off x="481757" y="2406869"/>
+            <a:ext cx="11161240" cy="3603651"/>
+          </a:xfrm>
+        </p:spPr>
+        <p:txBody>
+          <a:bodyPr>
+            <a:normAutofit/>
+          </a:bodyPr>
+          <a:lstStyle/>
+          <a:p>
+            <a:pPr algn="ctr" rtl="0">
+              <a:spcBef>
+                <a:spcPts val="1800"/>
+              </a:spcBef>
+              <a:spcAft>
+                <a:spcPts val="600"/>
+              </a:spcAft>
+            </a:pPr>
+            <a:r>
+              <a:rPr lang="zh-CN" altLang="en-US" dirty="0"/>
+              <a:t>应用落地</a:t>
+            </a:r>
+            <a:endParaRPr lang="en-US" altLang="zh-CN" dirty="0">
+              <a:latin typeface="Lexend" pitchFamily="2" charset="0"/>
+              <a:ea typeface="+mj-ea"/>
+            </a:endParaRPr>
+          </a:p>
+        </p:txBody>
+      </p:sp>
+    </p:spTree>
+    <p:extLst>
+      <p:ext uri="{BB962C8B-B14F-4D97-AF65-F5344CB8AC3E}">
+        <p14:creationId xmlns:p14="http://schemas.microsoft.com/office/powerpoint/2010/main" val="3273197804"/>
+      </p:ext>
+    </p:extLst>
+  </p:cSld>
+  <p:clrMapOvr>
+    <a:masterClrMapping/>
+  </p:clrMapOvr>
+</p:sld>
+</file>
+
+<file path=ppt/slides/slide8.xml><?xml version="1.0" encoding="utf-8"?>
+<p:sld xmlns:a="http://schemas.openxmlformats.org/drawingml/2006/main" xmlns:r="http://schemas.openxmlformats.org/officeDocument/2006/relationships" xmlns:p="http://schemas.openxmlformats.org/presentationml/2006/main">
+  <p:cSld>
+    <p:spTree>
+      <p:nvGrpSpPr>
+        <p:cNvPr id="1" name=""/>
+        <p:cNvGrpSpPr/>
+        <p:nvPr/>
+      </p:nvGrpSpPr>
+      <p:grpSpPr>
+        <a:xfrm>
+          <a:off x="0" y="0"/>
+          <a:ext cx="0" cy="0"/>
+          <a:chOff x="0" y="0"/>
+          <a:chExt cx="0" cy="0"/>
+        </a:xfrm>
+      </p:grpSpPr>
+      <p:sp>
+        <p:nvSpPr>
           <p:cNvPr id="4" name="标题 3">
             <a:extLst>
               <a:ext uri="{FF2B5EF4-FFF2-40B4-BE49-F238E27FC236}">
-                <a16:creationId xmlns:a16="http://schemas.microsoft.com/office/drawing/2014/main" id="{FF73186F-EDD3-89C1-9476-2A0A77B306A2}"/>
+                <a16:creationId xmlns:a16="http://schemas.microsoft.com/office/drawing/2014/main" id="{A492E3F1-1452-0498-CE04-6BF2D5735673}"/>
               </a:ext>
             </a:extLst>
           </p:cNvPr>
@@ -32971,8 +35095,12 @@
           <a:lstStyle/>
           <a:p>
             <a:r>
+              <a:rPr lang="en" altLang="zh-CN" dirty="0"/>
+              <a:t>AI</a:t>
+            </a:r>
+            <a:r>
               <a:rPr lang="zh-CN" altLang="en-US" dirty="0"/>
-              <a:t>总结</a:t>
+              <a:t>产品的商业化</a:t>
             </a:r>
           </a:p>
         </p:txBody>
@@ -32982,7 +35110,7 @@
           <p:cNvPr id="5" name="内容占位符 4">
             <a:extLst>
               <a:ext uri="{FF2B5EF4-FFF2-40B4-BE49-F238E27FC236}">
-                <a16:creationId xmlns:a16="http://schemas.microsoft.com/office/drawing/2014/main" id="{0898AF5A-0B63-3D29-441D-41D1895AC819}"/>
+                <a16:creationId xmlns:a16="http://schemas.microsoft.com/office/drawing/2014/main" id="{C06FCAF8-CEB4-D538-8B5F-2D92908DCF0E}"/>
               </a:ext>
             </a:extLst>
           </p:cNvPr>
@@ -33004,12 +35132,38 @@
           <a:lstStyle/>
           <a:p>
             <a:r>
-              <a:rPr lang="en-US" altLang="zh-CN" dirty="0"/>
-              <a:t>2015</a:t>
-            </a:r>
-            <a:r>
               <a:rPr lang="zh-CN" altLang="en-US" dirty="0"/>
-              <a:t>年是</a:t>
+              <a:t>谷歌相册与智能回复：</a:t>
+            </a:r>
+            <a:endParaRPr lang="en-US" altLang="zh-CN" dirty="0"/>
+          </a:p>
+          <a:p>
+            <a:pPr lvl="1"/>
+            <a:r>
+              <a:rPr lang="zh-CN" altLang="en-US" dirty="0"/>
+              <a:t>谷歌推出了基于深度学习的谷歌相册服务，能够自动分类和识别照片中的人物和场景。此外，谷歌还推出了邮件智能回复功能“</a:t>
+            </a:r>
+            <a:r>
+              <a:rPr lang="en" altLang="zh-CN" dirty="0"/>
+              <a:t>Smart Reply”</a:t>
+            </a:r>
+            <a:r>
+              <a:rPr lang="zh-CN" altLang="en" dirty="0"/>
+              <a:t>，</a:t>
+            </a:r>
+            <a:r>
+              <a:rPr lang="zh-CN" altLang="en-US" dirty="0"/>
+              <a:t>利用自然语言处理技术生成邮件回复建议。</a:t>
+            </a:r>
+          </a:p>
+          <a:p>
+            <a:r>
+              <a:rPr lang="en" altLang="zh-CN" dirty="0"/>
+              <a:t>Facebook</a:t>
+            </a:r>
+            <a:r>
+              <a:rPr lang="zh-CN" altLang="en-US" dirty="0"/>
+              <a:t>的</a:t>
             </a:r>
             <a:r>
               <a:rPr lang="en" altLang="zh-CN" dirty="0"/>
@@ -33017,7 +35171,35 @@
             </a:r>
             <a:r>
               <a:rPr lang="zh-CN" altLang="en-US" dirty="0"/>
-              <a:t>技术从实验室走向商业化的重要一年，深度学习、开源工具、伦理讨论和产品创新成为这一年的关键词。这些事件不仅推动了</a:t>
+              <a:t>助手</a:t>
+            </a:r>
+            <a:r>
+              <a:rPr lang="en" altLang="zh-CN" dirty="0"/>
+              <a:t>M</a:t>
+            </a:r>
+            <a:r>
+              <a:rPr lang="zh-CN" altLang="en" dirty="0"/>
+              <a:t>：</a:t>
+            </a:r>
+            <a:endParaRPr lang="en-US" altLang="zh-CN" dirty="0"/>
+          </a:p>
+          <a:p>
+            <a:pPr lvl="1"/>
+            <a:r>
+              <a:rPr lang="en" altLang="zh-CN" dirty="0"/>
+              <a:t>Facebook</a:t>
+            </a:r>
+            <a:r>
+              <a:rPr lang="zh-CN" altLang="en-US" dirty="0"/>
+              <a:t>推出了内置于</a:t>
+            </a:r>
+            <a:r>
+              <a:rPr lang="en" altLang="zh-CN" dirty="0"/>
+              <a:t>Messenger</a:t>
+            </a:r>
+            <a:r>
+              <a:rPr lang="zh-CN" altLang="en-US" dirty="0"/>
+              <a:t>的</a:t>
             </a:r>
             <a:r>
               <a:rPr lang="en" altLang="zh-CN" dirty="0"/>
@@ -33025,40 +35207,181 @@
             </a:r>
             <a:r>
               <a:rPr lang="zh-CN" altLang="en-US" dirty="0"/>
-              <a:t>技术的快速发展，也为后续的</a:t>
+              <a:t>助手</a:t>
             </a:r>
             <a:r>
               <a:rPr lang="en" altLang="zh-CN" dirty="0"/>
-              <a:t>AI</a:t>
+              <a:t>M</a:t>
+            </a:r>
+            <a:r>
+              <a:rPr lang="zh-CN" altLang="en" dirty="0"/>
+              <a:t>，</a:t>
             </a:r>
             <a:r>
               <a:rPr lang="zh-CN" altLang="en-US" dirty="0"/>
-              <a:t>革命奠定了基础。如需了解更多细节。 </a:t>
+              <a:t>能够通过人工智能生成对话回复，并逐步学习用户的偏好</a:t>
             </a:r>
             <a:r>
               <a:rPr lang="en-US" altLang="zh-CN" dirty="0"/>
-              <a:t>2015</a:t>
+              <a:t>13</a:t>
             </a:r>
             <a:r>
               <a:rPr lang="zh-CN" altLang="en-US" dirty="0"/>
-              <a:t>年的人工智能研究不仅在技术上取得了重大突破，还在产业应用和学术研究方面展现了巨大的潜力，为后续的发展奠定了坚实的基础。</a:t>
+              <a:t>。</a:t>
             </a:r>
           </a:p>
           <a:p>
-            <a:br>
+            <a:r>
               <a:rPr lang="zh-CN" altLang="en-US" dirty="0"/>
-            </a:br>
-            <a:endParaRPr lang="zh-CN" altLang="en-US" dirty="0"/>
+              <a:t>特斯拉的自动驾驶：</a:t>
+            </a:r>
+            <a:endParaRPr lang="en-US" altLang="zh-CN" dirty="0"/>
+          </a:p>
+          <a:p>
+            <a:pPr lvl="1"/>
+            <a:r>
+              <a:rPr lang="zh-CN" altLang="en-US" dirty="0"/>
+              <a:t>特斯拉发布了</a:t>
+            </a:r>
+            <a:r>
+              <a:rPr lang="en" altLang="zh-CN" dirty="0"/>
+              <a:t>Autopilot</a:t>
+            </a:r>
+            <a:r>
+              <a:rPr lang="zh-CN" altLang="en-US" dirty="0"/>
+              <a:t>系统，首次将部分自动驾驶功能引入商用车辆，标志着自动驾驶技术的重大进展</a:t>
+            </a:r>
+            <a:r>
+              <a:rPr lang="en-US" altLang="zh-CN" dirty="0"/>
+              <a:t>1</a:t>
+            </a:r>
           </a:p>
           <a:p>
             <a:endParaRPr lang="zh-CN" altLang="en-US" dirty="0"/>
           </a:p>
         </p:txBody>
       </p:sp>
+      <p:sp>
+        <p:nvSpPr>
+          <p:cNvPr id="7" name="文本框 6">
+            <a:extLst>
+              <a:ext uri="{FF2B5EF4-FFF2-40B4-BE49-F238E27FC236}">
+                <a16:creationId xmlns:a16="http://schemas.microsoft.com/office/drawing/2014/main" id="{7CED61AD-8B7F-9B05-729A-C9AB6F2FAFFD}"/>
+              </a:ext>
+            </a:extLst>
+          </p:cNvPr>
+          <p:cNvSpPr txBox="1"/>
+          <p:nvPr/>
+        </p:nvSpPr>
+        <p:spPr>
+          <a:xfrm>
+            <a:off x="3315468" y="1346967"/>
+            <a:ext cx="8271640" cy="276999"/>
+          </a:xfrm>
+          <a:prstGeom prst="rect">
+            <a:avLst/>
+          </a:prstGeom>
+          <a:noFill/>
+        </p:spPr>
+        <p:txBody>
+          <a:bodyPr wrap="square">
+            <a:spAutoFit/>
+          </a:bodyPr>
+          <a:lstStyle/>
+          <a:p>
+            <a:r>
+              <a:rPr lang="zh-CN" altLang="en-US" sz="1200" dirty="0">
+                <a:solidFill>
+                  <a:srgbClr val="0432FF"/>
+                </a:solidFill>
+              </a:rPr>
+              <a:t>https://www.youtube.com/watch?v=gqDwuzEbwXM&amp;pp=ygUVR29vZ2xlIFBob3RvcyBTZXJ2aWNl</a:t>
+            </a:r>
+          </a:p>
+        </p:txBody>
+      </p:sp>
+      <p:sp>
+        <p:nvSpPr>
+          <p:cNvPr id="9" name="文本框 8">
+            <a:extLst>
+              <a:ext uri="{FF2B5EF4-FFF2-40B4-BE49-F238E27FC236}">
+                <a16:creationId xmlns:a16="http://schemas.microsoft.com/office/drawing/2014/main" id="{B829FB79-4BAF-1960-588E-22BE76197FB2}"/>
+              </a:ext>
+            </a:extLst>
+          </p:cNvPr>
+          <p:cNvSpPr txBox="1"/>
+          <p:nvPr/>
+        </p:nvSpPr>
+        <p:spPr>
+          <a:xfrm>
+            <a:off x="3736428" y="2950806"/>
+            <a:ext cx="8271640" cy="276999"/>
+          </a:xfrm>
+          <a:prstGeom prst="rect">
+            <a:avLst/>
+          </a:prstGeom>
+          <a:noFill/>
+        </p:spPr>
+        <p:txBody>
+          <a:bodyPr wrap="square">
+            <a:spAutoFit/>
+          </a:bodyPr>
+          <a:lstStyle/>
+          <a:p>
+            <a:r>
+              <a:rPr lang="zh-CN" altLang="en-US" sz="1200" dirty="0">
+                <a:solidFill>
+                  <a:srgbClr val="0432FF"/>
+                </a:solidFill>
+              </a:rPr>
+              <a:t>https://www.youtube.com/watch?v=9hEzUvQC21U&amp;pp=ygUURmFjZWJvb2sgTWVzc2VuZ2VyIE0%3D</a:t>
+            </a:r>
+          </a:p>
+        </p:txBody>
+      </p:sp>
+      <p:sp>
+        <p:nvSpPr>
+          <p:cNvPr id="11" name="文本框 10">
+            <a:extLst>
+              <a:ext uri="{FF2B5EF4-FFF2-40B4-BE49-F238E27FC236}">
+                <a16:creationId xmlns:a16="http://schemas.microsoft.com/office/drawing/2014/main" id="{B8509361-700B-B291-FFBB-BB53799DFAE1}"/>
+              </a:ext>
+            </a:extLst>
+          </p:cNvPr>
+          <p:cNvSpPr txBox="1"/>
+          <p:nvPr/>
+        </p:nvSpPr>
+        <p:spPr>
+          <a:xfrm>
+            <a:off x="3525948" y="4375369"/>
+            <a:ext cx="8271640" cy="276999"/>
+          </a:xfrm>
+          <a:prstGeom prst="rect">
+            <a:avLst/>
+          </a:prstGeom>
+          <a:noFill/>
+        </p:spPr>
+        <p:txBody>
+          <a:bodyPr wrap="square">
+            <a:spAutoFit/>
+          </a:bodyPr>
+          <a:lstStyle/>
+          <a:p>
+            <a:r>
+              <a:rPr lang="zh-CN" altLang="en-US" sz="1200" dirty="0">
+                <a:solidFill>
+                  <a:srgbClr val="0432FF"/>
+                </a:solidFill>
+              </a:rPr>
+              <a:t>https://www.youtube.com/watch?v=TUDiG7PcLBs&amp;pp=ygUPdGVzbGEgQXV0b3BpbG90</a:t>
+            </a:r>
+          </a:p>
+        </p:txBody>
+      </p:sp>
     </p:spTree>
     <p:extLst>
       <p:ext uri="{BB962C8B-B14F-4D97-AF65-F5344CB8AC3E}">
-        <p14:creationId xmlns:p14="http://schemas.microsoft.com/office/powerpoint/2010/main" val="3738073308"/>
+        <p14:creationId xmlns:p14="http://schemas.microsoft.com/office/powerpoint/2010/main" val="3286900871"/>
       </p:ext>
     </p:extLst>
   </p:cSld>
@@ -33080,7 +35403,7 @@
 </p:sld>
 </file>
 
-<file path=ppt/slides/slide8.xml><?xml version="1.0" encoding="utf-8"?>
+<file path=ppt/slides/slide9.xml><?xml version="1.0" encoding="utf-8"?>
 <p:sld xmlns:a="http://schemas.openxmlformats.org/drawingml/2006/main" xmlns:r="http://schemas.openxmlformats.org/officeDocument/2006/relationships" xmlns:p="http://schemas.openxmlformats.org/presentationml/2006/main">
   <p:cSld>
     <p:spTree>
@@ -33097,28 +35420,136 @@
           <a:chExt cx="0" cy="0"/>
         </a:xfrm>
       </p:grpSpPr>
+      <p:sp>
+        <p:nvSpPr>
+          <p:cNvPr id="4" name="文本框 3">
+            <a:extLst>
+              <a:ext uri="{FF2B5EF4-FFF2-40B4-BE49-F238E27FC236}">
+                <a16:creationId xmlns:a16="http://schemas.microsoft.com/office/drawing/2014/main" id="{11B95A44-CCF2-9448-AD90-014C7B1CC7EC}"/>
+              </a:ext>
+            </a:extLst>
+          </p:cNvPr>
+          <p:cNvSpPr txBox="1"/>
+          <p:nvPr/>
+        </p:nvSpPr>
+        <p:spPr>
+          <a:xfrm>
+            <a:off x="4728456" y="1046095"/>
+            <a:ext cx="2739853" cy="2646878"/>
+          </a:xfrm>
+          <a:prstGeom prst="rect">
+            <a:avLst/>
+          </a:prstGeom>
+          <a:noFill/>
+        </p:spPr>
+        <p:txBody>
+          <a:bodyPr wrap="none" rtlCol="0">
+            <a:spAutoFit/>
+          </a:bodyPr>
+          <a:lstStyle/>
+          <a:p>
+            <a:pPr algn="ctr"/>
+            <a:r>
+              <a:rPr kumimoji="1" lang="en-US" altLang="zh-CN" sz="16600" b="1" dirty="0">
+                <a:gradFill>
+                  <a:gsLst>
+                    <a:gs pos="4000">
+                      <a:srgbClr val="126FFC"/>
+                    </a:gs>
+                    <a:gs pos="73000">
+                      <a:srgbClr val="126FFC">
+                        <a:alpha val="0"/>
+                      </a:srgbClr>
+                    </a:gs>
+                  </a:gsLst>
+                  <a:lin ang="5400000" scaled="1"/>
+                </a:gradFill>
+                <a:latin typeface="PingFang SC Semibold" panose="020B0400000000000000" pitchFamily="34" charset="-122"/>
+                <a:ea typeface="PingFang SC Semibold" panose="020B0400000000000000" pitchFamily="34" charset="-122"/>
+              </a:rPr>
+              <a:t>04</a:t>
+            </a:r>
+            <a:endParaRPr kumimoji="1" lang="zh-CN" altLang="en-US" sz="16600" b="1" dirty="0">
+              <a:gradFill>
+                <a:gsLst>
+                  <a:gs pos="4000">
+                    <a:srgbClr val="126FFC"/>
+                  </a:gs>
+                  <a:gs pos="73000">
+                    <a:srgbClr val="126FFC">
+                      <a:alpha val="0"/>
+                    </a:srgbClr>
+                  </a:gs>
+                </a:gsLst>
+                <a:lin ang="5400000" scaled="1"/>
+              </a:gradFill>
+              <a:latin typeface="PingFang SC Semibold" panose="020B0400000000000000" pitchFamily="34" charset="-122"/>
+              <a:ea typeface="PingFang SC Semibold" panose="020B0400000000000000" pitchFamily="34" charset="-122"/>
+            </a:endParaRPr>
+          </a:p>
+        </p:txBody>
+      </p:sp>
+      <p:sp>
+        <p:nvSpPr>
+          <p:cNvPr id="5" name="内容占位符 4">
+            <a:extLst>
+              <a:ext uri="{FF2B5EF4-FFF2-40B4-BE49-F238E27FC236}">
+                <a16:creationId xmlns:a16="http://schemas.microsoft.com/office/drawing/2014/main" id="{D04938AF-B47A-1764-AB7F-5185CDB78730}"/>
+              </a:ext>
+            </a:extLst>
+          </p:cNvPr>
+          <p:cNvSpPr>
+            <a:spLocks noGrp="1"/>
+          </p:cNvSpPr>
+          <p:nvPr>
+            <p:ph sz="half" idx="1"/>
+          </p:nvPr>
+        </p:nvSpPr>
+        <p:spPr>
+          <a:xfrm>
+            <a:off x="481757" y="2406869"/>
+            <a:ext cx="11161240" cy="3603651"/>
+          </a:xfrm>
+        </p:spPr>
+        <p:txBody>
+          <a:bodyPr>
+            <a:normAutofit/>
+          </a:bodyPr>
+          <a:lstStyle/>
+          <a:p>
+            <a:pPr algn="ctr" rtl="0">
+              <a:spcBef>
+                <a:spcPts val="1800"/>
+              </a:spcBef>
+              <a:spcAft>
+                <a:spcPts val="600"/>
+              </a:spcAft>
+            </a:pPr>
+            <a:r>
+              <a:rPr lang="en" altLang="zh-CN" dirty="0"/>
+              <a:t>AI</a:t>
+            </a:r>
+            <a:r>
+              <a:rPr lang="zh-CN" altLang="en-US" dirty="0"/>
+              <a:t>投资</a:t>
+            </a:r>
+            <a:endParaRPr lang="en-US" altLang="zh-CN" dirty="0">
+              <a:latin typeface="Lexend" pitchFamily="2" charset="0"/>
+              <a:ea typeface="+mj-ea"/>
+            </a:endParaRPr>
+          </a:p>
+        </p:txBody>
+      </p:sp>
     </p:spTree>
     <p:extLst>
       <p:ext uri="{BB962C8B-B14F-4D97-AF65-F5344CB8AC3E}">
-        <p14:creationId xmlns:p14="http://schemas.microsoft.com/office/powerpoint/2010/main" val="996880118"/>
+        <p14:creationId xmlns:p14="http://schemas.microsoft.com/office/powerpoint/2010/main" val="3553922031"/>
       </p:ext>
     </p:extLst>
   </p:cSld>
   <p:clrMapOvr>
     <a:masterClrMapping/>
   </p:clrMapOvr>
-  <mc:AlternateContent xmlns:mc="http://schemas.openxmlformats.org/markup-compatibility/2006" xmlns:p159="http://schemas.microsoft.com/office/powerpoint/2015/09/main">
-    <mc:Choice Requires="p159">
-      <p:transition xmlns:p14="http://schemas.microsoft.com/office/powerpoint/2010/main" spd="slow" p14:dur="2000">
-        <p159:morph option="byObject"/>
-      </p:transition>
-    </mc:Choice>
-    <mc:Fallback xmlns="">
-      <p:transition spd="slow">
-        <p:fade/>
-      </p:transition>
-    </mc:Fallback>
-  </mc:AlternateContent>
 </p:sld>
 </file>
 
